--- a/Group Project 4 to Github.pptx
+++ b/Group Project 4 to Github.pptx
@@ -14,7 +14,8 @@
     <p:sldId id="262" r:id="rId8"/>
     <p:sldId id="263" r:id="rId9"/>
     <p:sldId id="264" r:id="rId10"/>
-    <p:sldId id="265" r:id="rId11"/>
+    <p:sldId id="266" r:id="rId11"/>
+    <p:sldId id="265" r:id="rId12"/>
   </p:sldIdLst>
   <p:sldSz cx="12192000" cy="6858000"/>
   <p:notesSz cx="6858000" cy="9144000"/>
@@ -462,7 +463,7 @@
           </a:lstStyle>
           <a:p>
             <a:r>
-              <a:rPr lang="en-US" smtClean="0"/>
+              <a:rPr lang="en-US"/>
               <a:t>Click to edit Master title style</a:t>
             </a:r>
             <a:endParaRPr lang="en-US" dirty="0"/>
@@ -535,7 +536,7 @@
           </a:lstStyle>
           <a:p>
             <a:r>
-              <a:rPr lang="en-US" smtClean="0"/>
+              <a:rPr lang="en-US"/>
               <a:t>Click to edit Master subtitle style</a:t>
             </a:r>
             <a:endParaRPr lang="en-US" dirty="0"/>
@@ -574,7 +575,7 @@
           <a:p>
             <a:fld id="{F7AFFB9B-9FB8-469E-96F9-4D32314110B6}" type="datetimeFigureOut">
               <a:rPr lang="en-US" dirty="0"/>
-              <a:t>7/22/2024</a:t>
+              <a:t>7/22/24</a:t>
             </a:fld>
             <a:endParaRPr lang="en-US" dirty="0"/>
           </a:p>
@@ -740,7 +741,7 @@
           </a:lstStyle>
           <a:p>
             <a:r>
-              <a:rPr lang="en-US" smtClean="0"/>
+              <a:rPr lang="en-US"/>
               <a:t>Click to edit Master title style</a:t>
             </a:r>
             <a:endParaRPr lang="en-US" dirty="0"/>
@@ -813,7 +814,7 @@
           </a:lstStyle>
           <a:p>
             <a:r>
-              <a:rPr lang="en-US" smtClean="0"/>
+              <a:rPr lang="en-US"/>
               <a:t>Click icon to add picture</a:t>
             </a:r>
             <a:endParaRPr lang="en-US" dirty="0"/>
@@ -879,7 +880,7 @@
           <a:p>
             <a:pPr lvl="0"/>
             <a:r>
-              <a:rPr lang="en-US" smtClean="0"/>
+              <a:rPr lang="en-US"/>
               <a:t>Edit Master text styles</a:t>
             </a:r>
           </a:p>
@@ -902,7 +903,7 @@
           <a:p>
             <a:fld id="{341D2AC3-6A0B-4169-B1EA-E3AE8B351BDD}" type="datetimeFigureOut">
               <a:rPr lang="en-US" dirty="0"/>
-              <a:t>7/22/2024</a:t>
+              <a:t>7/22/24</a:t>
             </a:fld>
             <a:endParaRPr lang="en-US" dirty="0"/>
           </a:p>
@@ -1002,7 +1003,7 @@
           </a:lstStyle>
           <a:p>
             <a:r>
-              <a:rPr lang="en-US" smtClean="0"/>
+              <a:rPr lang="en-US"/>
               <a:t>Click to edit Master title style</a:t>
             </a:r>
             <a:endParaRPr lang="en-US" dirty="0"/>
@@ -1070,7 +1071,7 @@
           <a:p>
             <a:pPr lvl="0"/>
             <a:r>
-              <a:rPr lang="en-US" smtClean="0"/>
+              <a:rPr lang="en-US"/>
               <a:t>Edit Master text styles</a:t>
             </a:r>
           </a:p>
@@ -1093,7 +1094,7 @@
           <a:p>
             <a:fld id="{DD4B9363-8B87-41B7-9F8E-64519CBB8F34}" type="datetimeFigureOut">
               <a:rPr lang="en-US" dirty="0"/>
-              <a:t>7/22/2024</a:t>
+              <a:t>7/22/24</a:t>
             </a:fld>
             <a:endParaRPr lang="en-US" dirty="0"/>
           </a:p>
@@ -1193,7 +1194,7 @@
           </a:lstStyle>
           <a:p>
             <a:r>
-              <a:rPr lang="en-US" smtClean="0"/>
+              <a:rPr lang="en-US"/>
               <a:t>Click to edit Master title style</a:t>
             </a:r>
             <a:endParaRPr lang="en-US" dirty="0"/>
@@ -1268,7 +1269,7 @@
           <a:p>
             <a:pPr lvl="0"/>
             <a:r>
-              <a:rPr lang="en-US" smtClean="0"/>
+              <a:rPr lang="en-US"/>
               <a:t>Edit Master text styles</a:t>
             </a:r>
           </a:p>
@@ -1335,7 +1336,7 @@
           <a:p>
             <a:pPr lvl="0"/>
             <a:r>
-              <a:rPr lang="en-US" smtClean="0"/>
+              <a:rPr lang="en-US"/>
               <a:t>Edit Master text styles</a:t>
             </a:r>
           </a:p>
@@ -1358,7 +1359,7 @@
           <a:p>
             <a:fld id="{EAEF5746-5284-4951-9F37-7AE924EDBCB7}" type="datetimeFigureOut">
               <a:rPr lang="en-US" dirty="0"/>
-              <a:t>7/22/2024</a:t>
+              <a:t>7/22/24</a:t>
             </a:fld>
             <a:endParaRPr lang="en-US" dirty="0"/>
           </a:p>
@@ -1690,7 +1691,7 @@
           </a:lstStyle>
           <a:p>
             <a:r>
-              <a:rPr lang="en-US" smtClean="0"/>
+              <a:rPr lang="en-US"/>
               <a:t>Click to edit Master title style</a:t>
             </a:r>
             <a:endParaRPr lang="en-US" dirty="0"/>
@@ -1758,7 +1759,7 @@
           <a:p>
             <a:pPr lvl="0"/>
             <a:r>
-              <a:rPr lang="en-US" smtClean="0"/>
+              <a:rPr lang="en-US"/>
               <a:t>Edit Master text styles</a:t>
             </a:r>
           </a:p>
@@ -1781,7 +1782,7 @@
           <a:p>
             <a:fld id="{02398B29-7265-4A65-A2A4-6703C057B7C1}" type="datetimeFigureOut">
               <a:rPr lang="en-US" dirty="0"/>
-              <a:t>7/22/2024</a:t>
+              <a:t>7/22/24</a:t>
             </a:fld>
             <a:endParaRPr lang="en-US" dirty="0"/>
           </a:p>
@@ -1879,7 +1880,7 @@
           </a:lstStyle>
           <a:p>
             <a:r>
-              <a:rPr lang="en-US" smtClean="0"/>
+              <a:rPr lang="en-US"/>
               <a:t>Click to edit Master title style</a:t>
             </a:r>
             <a:endParaRPr lang="en-US" dirty="0"/>
@@ -1954,7 +1955,7 @@
           <a:p>
             <a:pPr lvl="0"/>
             <a:r>
-              <a:rPr lang="en-US" smtClean="0"/>
+              <a:rPr lang="en-US"/>
               <a:t>Edit Master text styles</a:t>
             </a:r>
           </a:p>
@@ -2021,7 +2022,7 @@
           <a:p>
             <a:pPr lvl="0"/>
             <a:r>
-              <a:rPr lang="en-US" smtClean="0"/>
+              <a:rPr lang="en-US"/>
               <a:t>Edit Master text styles</a:t>
             </a:r>
           </a:p>
@@ -2095,7 +2096,7 @@
           <a:p>
             <a:pPr lvl="0"/>
             <a:r>
-              <a:rPr lang="en-US" smtClean="0"/>
+              <a:rPr lang="en-US"/>
               <a:t>Edit Master text styles</a:t>
             </a:r>
           </a:p>
@@ -2162,7 +2163,7 @@
           <a:p>
             <a:pPr lvl="0"/>
             <a:r>
-              <a:rPr lang="en-US" smtClean="0"/>
+              <a:rPr lang="en-US"/>
               <a:t>Edit Master text styles</a:t>
             </a:r>
           </a:p>
@@ -2236,7 +2237,7 @@
           <a:p>
             <a:pPr lvl="0"/>
             <a:r>
-              <a:rPr lang="en-US" smtClean="0"/>
+              <a:rPr lang="en-US"/>
               <a:t>Edit Master text styles</a:t>
             </a:r>
           </a:p>
@@ -2303,7 +2304,7 @@
           <a:p>
             <a:pPr lvl="0"/>
             <a:r>
-              <a:rPr lang="en-US" smtClean="0"/>
+              <a:rPr lang="en-US"/>
               <a:t>Edit Master text styles</a:t>
             </a:r>
           </a:p>
@@ -2326,7 +2327,7 @@
           <a:p>
             <a:fld id="{28FBA082-94DF-4C4B-A041-6624924AB0A8}" type="datetimeFigureOut">
               <a:rPr lang="en-US" dirty="0"/>
-              <a:t>7/22/2024</a:t>
+              <a:t>7/22/24</a:t>
             </a:fld>
             <a:endParaRPr lang="en-US" dirty="0"/>
           </a:p>
@@ -2424,7 +2425,7 @@
           </a:lstStyle>
           <a:p>
             <a:r>
-              <a:rPr lang="en-US" smtClean="0"/>
+              <a:rPr lang="en-US"/>
               <a:t>Click to edit Master title style</a:t>
             </a:r>
             <a:endParaRPr lang="en-US" dirty="0"/>
@@ -2499,7 +2500,7 @@
           <a:p>
             <a:pPr lvl="0"/>
             <a:r>
-              <a:rPr lang="en-US" smtClean="0"/>
+              <a:rPr lang="en-US"/>
               <a:t>Edit Master text styles</a:t>
             </a:r>
           </a:p>
@@ -2578,7 +2579,7 @@
           </a:lstStyle>
           <a:p>
             <a:r>
-              <a:rPr lang="en-US" smtClean="0"/>
+              <a:rPr lang="en-US"/>
               <a:t>Click icon to add picture</a:t>
             </a:r>
             <a:endParaRPr lang="en-US" dirty="0"/>
@@ -2646,7 +2647,7 @@
           <a:p>
             <a:pPr lvl="0"/>
             <a:r>
-              <a:rPr lang="en-US" smtClean="0"/>
+              <a:rPr lang="en-US"/>
               <a:t>Edit Master text styles</a:t>
             </a:r>
           </a:p>
@@ -2720,7 +2721,7 @@
           <a:p>
             <a:pPr lvl="0"/>
             <a:r>
-              <a:rPr lang="en-US" smtClean="0"/>
+              <a:rPr lang="en-US"/>
               <a:t>Edit Master text styles</a:t>
             </a:r>
           </a:p>
@@ -2799,7 +2800,7 @@
           </a:lstStyle>
           <a:p>
             <a:r>
-              <a:rPr lang="en-US" smtClean="0"/>
+              <a:rPr lang="en-US"/>
               <a:t>Click icon to add picture</a:t>
             </a:r>
             <a:endParaRPr lang="en-US" dirty="0"/>
@@ -2867,7 +2868,7 @@
           <a:p>
             <a:pPr lvl="0"/>
             <a:r>
-              <a:rPr lang="en-US" smtClean="0"/>
+              <a:rPr lang="en-US"/>
               <a:t>Edit Master text styles</a:t>
             </a:r>
           </a:p>
@@ -2941,7 +2942,7 @@
           <a:p>
             <a:pPr lvl="0"/>
             <a:r>
-              <a:rPr lang="en-US" smtClean="0"/>
+              <a:rPr lang="en-US"/>
               <a:t>Edit Master text styles</a:t>
             </a:r>
           </a:p>
@@ -3020,7 +3021,7 @@
           </a:lstStyle>
           <a:p>
             <a:r>
-              <a:rPr lang="en-US" smtClean="0"/>
+              <a:rPr lang="en-US"/>
               <a:t>Click icon to add picture</a:t>
             </a:r>
             <a:endParaRPr lang="en-US" dirty="0"/>
@@ -3088,7 +3089,7 @@
           <a:p>
             <a:pPr lvl="0"/>
             <a:r>
-              <a:rPr lang="en-US" smtClean="0"/>
+              <a:rPr lang="en-US"/>
               <a:t>Edit Master text styles</a:t>
             </a:r>
           </a:p>
@@ -3111,7 +3112,7 @@
           <a:p>
             <a:fld id="{B27686C4-3AB5-4E0C-86CA-FB108C350AA9}" type="datetimeFigureOut">
               <a:rPr lang="en-US" dirty="0"/>
-              <a:t>7/22/2024</a:t>
+              <a:t>7/22/24</a:t>
             </a:fld>
             <a:endParaRPr lang="en-US" dirty="0"/>
           </a:p>
@@ -3204,7 +3205,7 @@
           </a:lstStyle>
           <a:p>
             <a:r>
-              <a:rPr lang="en-US" smtClean="0"/>
+              <a:rPr lang="en-US"/>
               <a:t>Click to edit Master title style</a:t>
             </a:r>
             <a:endParaRPr lang="en-US" dirty="0"/>
@@ -3233,35 +3234,35 @@
           <a:p>
             <a:pPr lvl="0"/>
             <a:r>
-              <a:rPr lang="en-US" smtClean="0"/>
+              <a:rPr lang="en-US"/>
               <a:t>Edit Master text styles</a:t>
             </a:r>
           </a:p>
           <a:p>
             <a:pPr lvl="1"/>
             <a:r>
-              <a:rPr lang="en-US" smtClean="0"/>
+              <a:rPr lang="en-US"/>
               <a:t>Second level</a:t>
             </a:r>
           </a:p>
           <a:p>
             <a:pPr lvl="2"/>
             <a:r>
-              <a:rPr lang="en-US" smtClean="0"/>
+              <a:rPr lang="en-US"/>
               <a:t>Third level</a:t>
             </a:r>
           </a:p>
           <a:p>
             <a:pPr lvl="3"/>
             <a:r>
-              <a:rPr lang="en-US" smtClean="0"/>
+              <a:rPr lang="en-US"/>
               <a:t>Fourth level</a:t>
             </a:r>
           </a:p>
           <a:p>
             <a:pPr lvl="4"/>
             <a:r>
-              <a:rPr lang="en-US" smtClean="0"/>
+              <a:rPr lang="en-US"/>
               <a:t>Fifth level</a:t>
             </a:r>
             <a:endParaRPr lang="en-US" dirty="0"/>
@@ -3285,7 +3286,7 @@
           <a:p>
             <a:fld id="{49FF1211-4E0C-4AB3-B04F-585959BDAFE8}" type="datetimeFigureOut">
               <a:rPr lang="en-US" dirty="0"/>
-              <a:t>7/22/2024</a:t>
+              <a:t>7/22/24</a:t>
             </a:fld>
             <a:endParaRPr lang="en-US" dirty="0"/>
           </a:p>
@@ -3383,7 +3384,7 @@
           </a:lstStyle>
           <a:p>
             <a:r>
-              <a:rPr lang="en-US" smtClean="0"/>
+              <a:rPr lang="en-US"/>
               <a:t>Click to edit Master title style</a:t>
             </a:r>
             <a:endParaRPr lang="en-US" dirty="0"/>
@@ -3412,35 +3413,35 @@
           <a:p>
             <a:pPr lvl="0"/>
             <a:r>
-              <a:rPr lang="en-US" smtClean="0"/>
+              <a:rPr lang="en-US"/>
               <a:t>Edit Master text styles</a:t>
             </a:r>
           </a:p>
           <a:p>
             <a:pPr lvl="1"/>
             <a:r>
-              <a:rPr lang="en-US" smtClean="0"/>
+              <a:rPr lang="en-US"/>
               <a:t>Second level</a:t>
             </a:r>
           </a:p>
           <a:p>
             <a:pPr lvl="2"/>
             <a:r>
-              <a:rPr lang="en-US" smtClean="0"/>
+              <a:rPr lang="en-US"/>
               <a:t>Third level</a:t>
             </a:r>
           </a:p>
           <a:p>
             <a:pPr lvl="3"/>
             <a:r>
-              <a:rPr lang="en-US" smtClean="0"/>
+              <a:rPr lang="en-US"/>
               <a:t>Fourth level</a:t>
             </a:r>
           </a:p>
           <a:p>
             <a:pPr lvl="4"/>
             <a:r>
-              <a:rPr lang="en-US" smtClean="0"/>
+              <a:rPr lang="en-US"/>
               <a:t>Fifth level</a:t>
             </a:r>
             <a:endParaRPr lang="en-US" dirty="0"/>
@@ -3464,7 +3465,7 @@
           <a:p>
             <a:fld id="{28BDECAF-D3BE-4069-9C78-642ECCD01477}" type="datetimeFigureOut">
               <a:rPr lang="en-US" dirty="0"/>
-              <a:t>7/22/2024</a:t>
+              <a:t>7/22/24</a:t>
             </a:fld>
             <a:endParaRPr lang="en-US" dirty="0"/>
           </a:p>
@@ -3553,7 +3554,7 @@
           <a:lstStyle/>
           <a:p>
             <a:r>
-              <a:rPr lang="en-US" smtClean="0"/>
+              <a:rPr lang="en-US"/>
               <a:t>Click to edit Master title style</a:t>
             </a:r>
             <a:endParaRPr lang="en-US" dirty="0"/>
@@ -3582,35 +3583,35 @@
           <a:p>
             <a:pPr lvl="0"/>
             <a:r>
-              <a:rPr lang="en-US" smtClean="0"/>
+              <a:rPr lang="en-US"/>
               <a:t>Edit Master text styles</a:t>
             </a:r>
           </a:p>
           <a:p>
             <a:pPr lvl="1"/>
             <a:r>
-              <a:rPr lang="en-US" smtClean="0"/>
+              <a:rPr lang="en-US"/>
               <a:t>Second level</a:t>
             </a:r>
           </a:p>
           <a:p>
             <a:pPr lvl="2"/>
             <a:r>
-              <a:rPr lang="en-US" smtClean="0"/>
+              <a:rPr lang="en-US"/>
               <a:t>Third level</a:t>
             </a:r>
           </a:p>
           <a:p>
             <a:pPr lvl="3"/>
             <a:r>
-              <a:rPr lang="en-US" smtClean="0"/>
+              <a:rPr lang="en-US"/>
               <a:t>Fourth level</a:t>
             </a:r>
           </a:p>
           <a:p>
             <a:pPr lvl="4"/>
             <a:r>
-              <a:rPr lang="en-US" smtClean="0"/>
+              <a:rPr lang="en-US"/>
               <a:t>Fifth level</a:t>
             </a:r>
             <a:endParaRPr lang="en-US" dirty="0"/>
@@ -3634,7 +3635,7 @@
           <a:p>
             <a:fld id="{8EFBDC27-E420-4878-9EE6-7B9656D6442A}" type="datetimeFigureOut">
               <a:rPr lang="en-US" dirty="0"/>
-              <a:t>7/22/2024</a:t>
+              <a:t>7/22/24</a:t>
             </a:fld>
             <a:endParaRPr lang="en-US" dirty="0"/>
           </a:p>
@@ -3734,7 +3735,7 @@
           </a:lstStyle>
           <a:p>
             <a:r>
-              <a:rPr lang="en-US" smtClean="0"/>
+              <a:rPr lang="en-US"/>
               <a:t>Click to edit Master title style</a:t>
             </a:r>
             <a:endParaRPr lang="en-US" dirty="0"/>
@@ -3856,7 +3857,7 @@
           <a:p>
             <a:pPr lvl="0"/>
             <a:r>
-              <a:rPr lang="en-US" smtClean="0"/>
+              <a:rPr lang="en-US"/>
               <a:t>Edit Master text styles</a:t>
             </a:r>
           </a:p>
@@ -3879,7 +3880,7 @@
           <a:p>
             <a:fld id="{0F7F47CF-67C9-420C-80A5-E2069FF0C2DF}" type="datetimeFigureOut">
               <a:rPr lang="en-US" dirty="0"/>
-              <a:t>7/22/2024</a:t>
+              <a:t>7/22/24</a:t>
             </a:fld>
             <a:endParaRPr lang="en-US" dirty="0"/>
           </a:p>
@@ -3973,7 +3974,7 @@
           <a:lstStyle/>
           <a:p>
             <a:r>
-              <a:rPr lang="en-US" smtClean="0"/>
+              <a:rPr lang="en-US"/>
               <a:t>Click to edit Master title style</a:t>
             </a:r>
             <a:endParaRPr lang="en-US" dirty="0"/>
@@ -4002,35 +4003,35 @@
           <a:p>
             <a:pPr lvl="0"/>
             <a:r>
-              <a:rPr lang="en-US" smtClean="0"/>
+              <a:rPr lang="en-US"/>
               <a:t>Edit Master text styles</a:t>
             </a:r>
           </a:p>
           <a:p>
             <a:pPr lvl="1"/>
             <a:r>
-              <a:rPr lang="en-US" smtClean="0"/>
+              <a:rPr lang="en-US"/>
               <a:t>Second level</a:t>
             </a:r>
           </a:p>
           <a:p>
             <a:pPr lvl="2"/>
             <a:r>
-              <a:rPr lang="en-US" smtClean="0"/>
+              <a:rPr lang="en-US"/>
               <a:t>Third level</a:t>
             </a:r>
           </a:p>
           <a:p>
             <a:pPr lvl="3"/>
             <a:r>
-              <a:rPr lang="en-US" smtClean="0"/>
+              <a:rPr lang="en-US"/>
               <a:t>Fourth level</a:t>
             </a:r>
           </a:p>
           <a:p>
             <a:pPr lvl="4"/>
             <a:r>
-              <a:rPr lang="en-US" smtClean="0"/>
+              <a:rPr lang="en-US"/>
               <a:t>Fifth level</a:t>
             </a:r>
             <a:endParaRPr lang="en-US" dirty="0"/>
@@ -4059,35 +4060,35 @@
           <a:p>
             <a:pPr lvl="0"/>
             <a:r>
-              <a:rPr lang="en-US" smtClean="0"/>
+              <a:rPr lang="en-US"/>
               <a:t>Edit Master text styles</a:t>
             </a:r>
           </a:p>
           <a:p>
             <a:pPr lvl="1"/>
             <a:r>
-              <a:rPr lang="en-US" smtClean="0"/>
+              <a:rPr lang="en-US"/>
               <a:t>Second level</a:t>
             </a:r>
           </a:p>
           <a:p>
             <a:pPr lvl="2"/>
             <a:r>
-              <a:rPr lang="en-US" smtClean="0"/>
+              <a:rPr lang="en-US"/>
               <a:t>Third level</a:t>
             </a:r>
           </a:p>
           <a:p>
             <a:pPr lvl="3"/>
             <a:r>
-              <a:rPr lang="en-US" smtClean="0"/>
+              <a:rPr lang="en-US"/>
               <a:t>Fourth level</a:t>
             </a:r>
           </a:p>
           <a:p>
             <a:pPr lvl="4"/>
             <a:r>
-              <a:rPr lang="en-US" smtClean="0"/>
+              <a:rPr lang="en-US"/>
               <a:t>Fifth level</a:t>
             </a:r>
             <a:endParaRPr lang="en-US" dirty="0"/>
@@ -4111,7 +4112,7 @@
           <a:p>
             <a:fld id="{AE22DC73-F065-42F5-A9F2-D90B2E42A0B3}" type="datetimeFigureOut">
               <a:rPr lang="en-US" dirty="0"/>
-              <a:t>7/22/2024</a:t>
+              <a:t>7/22/24</a:t>
             </a:fld>
             <a:endParaRPr lang="en-US" dirty="0"/>
           </a:p>
@@ -4205,7 +4206,7 @@
           <a:lstStyle/>
           <a:p>
             <a:r>
-              <a:rPr lang="en-US" smtClean="0"/>
+              <a:rPr lang="en-US"/>
               <a:t>Click to edit Master title style</a:t>
             </a:r>
             <a:endParaRPr lang="en-US" dirty="0"/>
@@ -4280,7 +4281,7 @@
           <a:p>
             <a:pPr lvl="0"/>
             <a:r>
-              <a:rPr lang="en-US" smtClean="0"/>
+              <a:rPr lang="en-US"/>
               <a:t>Edit Master text styles</a:t>
             </a:r>
           </a:p>
@@ -4308,35 +4309,35 @@
           <a:p>
             <a:pPr lvl="0"/>
             <a:r>
-              <a:rPr lang="en-US" smtClean="0"/>
+              <a:rPr lang="en-US"/>
               <a:t>Edit Master text styles</a:t>
             </a:r>
           </a:p>
           <a:p>
             <a:pPr lvl="1"/>
             <a:r>
-              <a:rPr lang="en-US" smtClean="0"/>
+              <a:rPr lang="en-US"/>
               <a:t>Second level</a:t>
             </a:r>
           </a:p>
           <a:p>
             <a:pPr lvl="2"/>
             <a:r>
-              <a:rPr lang="en-US" smtClean="0"/>
+              <a:rPr lang="en-US"/>
               <a:t>Third level</a:t>
             </a:r>
           </a:p>
           <a:p>
             <a:pPr lvl="3"/>
             <a:r>
-              <a:rPr lang="en-US" smtClean="0"/>
+              <a:rPr lang="en-US"/>
               <a:t>Fourth level</a:t>
             </a:r>
           </a:p>
           <a:p>
             <a:pPr lvl="4"/>
             <a:r>
-              <a:rPr lang="en-US" smtClean="0"/>
+              <a:rPr lang="en-US"/>
               <a:t>Fifth level</a:t>
             </a:r>
             <a:endParaRPr lang="en-US" dirty="0"/>
@@ -4411,7 +4412,7 @@
           <a:p>
             <a:pPr lvl="0"/>
             <a:r>
-              <a:rPr lang="en-US" smtClean="0"/>
+              <a:rPr lang="en-US"/>
               <a:t>Edit Master text styles</a:t>
             </a:r>
           </a:p>
@@ -4439,35 +4440,35 @@
           <a:p>
             <a:pPr lvl="0"/>
             <a:r>
-              <a:rPr lang="en-US" smtClean="0"/>
+              <a:rPr lang="en-US"/>
               <a:t>Edit Master text styles</a:t>
             </a:r>
           </a:p>
           <a:p>
             <a:pPr lvl="1"/>
             <a:r>
-              <a:rPr lang="en-US" smtClean="0"/>
+              <a:rPr lang="en-US"/>
               <a:t>Second level</a:t>
             </a:r>
           </a:p>
           <a:p>
             <a:pPr lvl="2"/>
             <a:r>
-              <a:rPr lang="en-US" smtClean="0"/>
+              <a:rPr lang="en-US"/>
               <a:t>Third level</a:t>
             </a:r>
           </a:p>
           <a:p>
             <a:pPr lvl="3"/>
             <a:r>
-              <a:rPr lang="en-US" smtClean="0"/>
+              <a:rPr lang="en-US"/>
               <a:t>Fourth level</a:t>
             </a:r>
           </a:p>
           <a:p>
             <a:pPr lvl="4"/>
             <a:r>
-              <a:rPr lang="en-US" smtClean="0"/>
+              <a:rPr lang="en-US"/>
               <a:t>Fifth level</a:t>
             </a:r>
             <a:endParaRPr lang="en-US" dirty="0"/>
@@ -4491,7 +4492,7 @@
           <a:p>
             <a:fld id="{76BEA702-9B29-41CC-9BCC-3DF8A0D379FE}" type="datetimeFigureOut">
               <a:rPr lang="en-US" dirty="0"/>
-              <a:t>7/22/2024</a:t>
+              <a:t>7/22/24</a:t>
             </a:fld>
             <a:endParaRPr lang="en-US" dirty="0"/>
           </a:p>
@@ -4580,7 +4581,7 @@
           <a:lstStyle/>
           <a:p>
             <a:r>
-              <a:rPr lang="en-US" smtClean="0"/>
+              <a:rPr lang="en-US"/>
               <a:t>Click to edit Master title style</a:t>
             </a:r>
             <a:endParaRPr lang="en-US" dirty="0"/>
@@ -4604,7 +4605,7 @@
           <a:p>
             <a:fld id="{097649AC-CB8F-4FF1-9A34-5861C74DD0A7}" type="datetimeFigureOut">
               <a:rPr lang="en-US" dirty="0"/>
-              <a:t>7/22/2024</a:t>
+              <a:t>7/22/24</a:t>
             </a:fld>
             <a:endParaRPr lang="en-US" dirty="0"/>
           </a:p>
@@ -4694,7 +4695,7 @@
           <a:p>
             <a:fld id="{3EC5CECA-2D3A-4680-9B49-752200DE467C}" type="datetimeFigureOut">
               <a:rPr lang="en-US" dirty="0"/>
-              <a:t>7/22/2024</a:t>
+              <a:t>7/22/24</a:t>
             </a:fld>
             <a:endParaRPr lang="en-US" dirty="0"/>
           </a:p>
@@ -4794,7 +4795,7 @@
           </a:lstStyle>
           <a:p>
             <a:r>
-              <a:rPr lang="en-US" smtClean="0"/>
+              <a:rPr lang="en-US"/>
               <a:t>Click to edit Master title style</a:t>
             </a:r>
             <a:endParaRPr lang="en-US" dirty="0"/>
@@ -4823,35 +4824,35 @@
           <a:p>
             <a:pPr lvl="0"/>
             <a:r>
-              <a:rPr lang="en-US" smtClean="0"/>
+              <a:rPr lang="en-US"/>
               <a:t>Edit Master text styles</a:t>
             </a:r>
           </a:p>
           <a:p>
             <a:pPr lvl="1"/>
             <a:r>
-              <a:rPr lang="en-US" smtClean="0"/>
+              <a:rPr lang="en-US"/>
               <a:t>Second level</a:t>
             </a:r>
           </a:p>
           <a:p>
             <a:pPr lvl="2"/>
             <a:r>
-              <a:rPr lang="en-US" smtClean="0"/>
+              <a:rPr lang="en-US"/>
               <a:t>Third level</a:t>
             </a:r>
           </a:p>
           <a:p>
             <a:pPr lvl="3"/>
             <a:r>
-              <a:rPr lang="en-US" smtClean="0"/>
+              <a:rPr lang="en-US"/>
               <a:t>Fourth level</a:t>
             </a:r>
           </a:p>
           <a:p>
             <a:pPr lvl="4"/>
             <a:r>
-              <a:rPr lang="en-US" smtClean="0"/>
+              <a:rPr lang="en-US"/>
               <a:t>Fifth level</a:t>
             </a:r>
             <a:endParaRPr lang="en-US" dirty="0"/>
@@ -4919,7 +4920,7 @@
           <a:p>
             <a:pPr lvl="0"/>
             <a:r>
-              <a:rPr lang="en-US" smtClean="0"/>
+              <a:rPr lang="en-US"/>
               <a:t>Edit Master text styles</a:t>
             </a:r>
           </a:p>
@@ -4942,7 +4943,7 @@
           <a:p>
             <a:fld id="{50C3BFE2-83B7-4B0A-B9D3-AB28331082B3}" type="datetimeFigureOut">
               <a:rPr lang="en-US" dirty="0"/>
-              <a:t>7/22/2024</a:t>
+              <a:t>7/22/24</a:t>
             </a:fld>
             <a:endParaRPr lang="en-US" dirty="0"/>
           </a:p>
@@ -5042,7 +5043,7 @@
           </a:lstStyle>
           <a:p>
             <a:r>
-              <a:rPr lang="en-US" smtClean="0"/>
+              <a:rPr lang="en-US"/>
               <a:t>Click to edit Master title style</a:t>
             </a:r>
             <a:endParaRPr lang="en-US" dirty="0"/>
@@ -5115,7 +5116,7 @@
           </a:lstStyle>
           <a:p>
             <a:r>
-              <a:rPr lang="en-US" smtClean="0"/>
+              <a:rPr lang="en-US"/>
               <a:t>Click icon to add picture</a:t>
             </a:r>
             <a:endParaRPr lang="en-US" dirty="0"/>
@@ -5183,7 +5184,7 @@
           <a:p>
             <a:pPr lvl="0"/>
             <a:r>
-              <a:rPr lang="en-US" smtClean="0"/>
+              <a:rPr lang="en-US"/>
               <a:t>Edit Master text styles</a:t>
             </a:r>
           </a:p>
@@ -5206,7 +5207,7 @@
           <a:p>
             <a:fld id="{12EF78E3-FDA3-4D28-AAA2-0B81F349A39D}" type="datetimeFigureOut">
               <a:rPr lang="en-US" dirty="0"/>
-              <a:t>7/22/2024</a:t>
+              <a:t>7/22/24</a:t>
             </a:fld>
             <a:endParaRPr lang="en-US" dirty="0"/>
           </a:p>
@@ -5500,7 +5501,7 @@
           <a:lstStyle/>
           <a:p>
             <a:r>
-              <a:rPr lang="en-US" smtClean="0"/>
+              <a:rPr lang="en-US"/>
               <a:t>Click to edit Master title style</a:t>
             </a:r>
             <a:endParaRPr lang="en-US" dirty="0"/>
@@ -5534,35 +5535,35 @@
           <a:p>
             <a:pPr lvl="0"/>
             <a:r>
-              <a:rPr lang="en-US" smtClean="0"/>
+              <a:rPr lang="en-US"/>
               <a:t>Edit Master text styles</a:t>
             </a:r>
           </a:p>
           <a:p>
             <a:pPr lvl="1"/>
             <a:r>
-              <a:rPr lang="en-US" smtClean="0"/>
+              <a:rPr lang="en-US"/>
               <a:t>Second level</a:t>
             </a:r>
           </a:p>
           <a:p>
             <a:pPr lvl="2"/>
             <a:r>
-              <a:rPr lang="en-US" smtClean="0"/>
+              <a:rPr lang="en-US"/>
               <a:t>Third level</a:t>
             </a:r>
           </a:p>
           <a:p>
             <a:pPr lvl="3"/>
             <a:r>
-              <a:rPr lang="en-US" smtClean="0"/>
+              <a:rPr lang="en-US"/>
               <a:t>Fourth level</a:t>
             </a:r>
           </a:p>
           <a:p>
             <a:pPr lvl="4"/>
             <a:r>
-              <a:rPr lang="en-US" smtClean="0"/>
+              <a:rPr lang="en-US"/>
               <a:t>Fifth level</a:t>
             </a:r>
             <a:endParaRPr lang="en-US" dirty="0"/>
@@ -5604,7 +5605,7 @@
           <a:p>
             <a:fld id="{C35BB1C6-BF8F-4481-8AB2-603A1C8A906A}" type="datetimeFigureOut">
               <a:rPr lang="en-US" dirty="0"/>
-              <a:t>7/22/2024</a:t>
+              <a:t>7/22/24</a:t>
             </a:fld>
             <a:endParaRPr lang="en-US" dirty="0"/>
           </a:p>
@@ -6074,7 +6075,7 @@
           <a:lstStyle/>
           <a:p>
             <a:r>
-              <a:rPr lang="en-US" dirty="0" smtClean="0"/>
+              <a:rPr lang="en-US" dirty="0"/>
               <a:t>Can you Predict the Premier League?</a:t>
             </a:r>
             <a:endParaRPr lang="en-GB" dirty="0"/>
@@ -6097,7 +6098,7 @@
           <a:lstStyle/>
           <a:p>
             <a:r>
-              <a:rPr lang="en-US" dirty="0" smtClean="0"/>
+              <a:rPr lang="en-US" dirty="0"/>
               <a:t>Using ML to get an idea of where your team will finish </a:t>
             </a:r>
             <a:endParaRPr lang="en-GB" dirty="0"/>
@@ -6136,7 +6137,13 @@
       </p:grpSpPr>
       <p:sp>
         <p:nvSpPr>
-          <p:cNvPr id="2" name="Title 1"/>
+          <p:cNvPr id="3" name="Title 2">
+            <a:extLst>
+              <a:ext uri="{FF2B5EF4-FFF2-40B4-BE49-F238E27FC236}">
+                <a16:creationId xmlns:a16="http://schemas.microsoft.com/office/drawing/2014/main" id="{3AA0605C-92A1-8107-B1D9-928CA7DCDA27}"/>
+              </a:ext>
+            </a:extLst>
+          </p:cNvPr>
           <p:cNvSpPr>
             <a:spLocks noGrp="1"/>
           </p:cNvSpPr>
@@ -6150,31 +6157,28 @@
           <a:lstStyle/>
           <a:p>
             <a:r>
-              <a:rPr lang="en-US" dirty="0" smtClean="0"/>
-              <a:t>Can you </a:t>
-            </a:r>
-            <a:r>
-              <a:rPr lang="en-US" smtClean="0"/>
-              <a:t>Predict the epl</a:t>
-            </a:r>
-            <a:r>
-              <a:rPr lang="en-US" dirty="0" smtClean="0"/>
-              <a:t>?</a:t>
-            </a:r>
-            <a:endParaRPr lang="en-GB" dirty="0"/>
-          </a:p>
-        </p:txBody>
-      </p:sp>
-      <p:sp>
-        <p:nvSpPr>
-          <p:cNvPr id="3" name="TextBox 2"/>
+              <a:rPr lang="en-GB" dirty="0"/>
+              <a:t>Interactive Predictor app</a:t>
+            </a:r>
+          </a:p>
+        </p:txBody>
+      </p:sp>
+      <p:sp>
+        <p:nvSpPr>
+          <p:cNvPr id="5" name="TextBox 4">
+            <a:extLst>
+              <a:ext uri="{FF2B5EF4-FFF2-40B4-BE49-F238E27FC236}">
+                <a16:creationId xmlns:a16="http://schemas.microsoft.com/office/drawing/2014/main" id="{DE1E9C59-E6D3-5BBC-5B8D-CBE75EE7474D}"/>
+              </a:ext>
+            </a:extLst>
+          </p:cNvPr>
           <p:cNvSpPr txBox="1"/>
           <p:nvPr/>
         </p:nvSpPr>
         <p:spPr>
           <a:xfrm>
-            <a:off x="736600" y="2197100"/>
-            <a:ext cx="10401300" cy="369332"/>
+            <a:off x="1312032" y="1859339"/>
+            <a:ext cx="9567935" cy="3139321"/>
           </a:xfrm>
           <a:prstGeom prst="rect">
             <a:avLst/>
@@ -6187,7 +6191,139 @@
           </a:bodyPr>
           <a:lstStyle/>
           <a:p>
-            <a:endParaRPr lang="en-US" dirty="0" smtClean="0"/>
+            <a:r>
+              <a:rPr lang="en-GB" dirty="0"/>
+              <a:t>Building a predictor app makes our model useable and interactive</a:t>
+            </a:r>
+          </a:p>
+          <a:p>
+            <a:endParaRPr lang="en-GB" dirty="0"/>
+          </a:p>
+          <a:p>
+            <a:endParaRPr lang="en-GB" dirty="0"/>
+          </a:p>
+          <a:p>
+            <a:r>
+              <a:rPr lang="en-GB" dirty="0"/>
+              <a:t>It might just be a bit of fun for fans,</a:t>
+            </a:r>
+          </a:p>
+          <a:p>
+            <a:r>
+              <a:rPr lang="en-GB" dirty="0"/>
+              <a:t>				but could it also become a business tool for the premier league?</a:t>
+            </a:r>
+          </a:p>
+          <a:p>
+            <a:endParaRPr lang="en-GB" dirty="0"/>
+          </a:p>
+          <a:p>
+            <a:endParaRPr lang="en-GB" dirty="0"/>
+          </a:p>
+          <a:p>
+            <a:endParaRPr lang="en-GB" dirty="0"/>
+          </a:p>
+          <a:p>
+            <a:r>
+              <a:rPr lang="en-GB" dirty="0"/>
+              <a:t>Can it be applied elsewhere?   - other leagues at home or away? other sports?</a:t>
+            </a:r>
+          </a:p>
+          <a:p>
+            <a:endParaRPr lang="en-GB" dirty="0"/>
+          </a:p>
+          <a:p>
+            <a:r>
+              <a:rPr lang="en-GB" dirty="0"/>
+              <a:t>What other features might we be able to add? – more variable options?</a:t>
+            </a:r>
+          </a:p>
+        </p:txBody>
+      </p:sp>
+    </p:spTree>
+    <p:extLst>
+      <p:ext uri="{BB962C8B-B14F-4D97-AF65-F5344CB8AC3E}">
+        <p14:creationId xmlns:p14="http://schemas.microsoft.com/office/powerpoint/2010/main" val="1486116417"/>
+      </p:ext>
+    </p:extLst>
+  </p:cSld>
+  <p:clrMapOvr>
+    <a:masterClrMapping/>
+  </p:clrMapOvr>
+</p:sld>
+</file>
+
+<file path=ppt/slides/slide11.xml><?xml version="1.0" encoding="utf-8"?>
+<p:sld xmlns:a="http://schemas.openxmlformats.org/drawingml/2006/main" xmlns:r="http://schemas.openxmlformats.org/officeDocument/2006/relationships" xmlns:p="http://schemas.openxmlformats.org/presentationml/2006/main">
+  <p:cSld>
+    <p:spTree>
+      <p:nvGrpSpPr>
+        <p:cNvPr id="1" name=""/>
+        <p:cNvGrpSpPr/>
+        <p:nvPr/>
+      </p:nvGrpSpPr>
+      <p:grpSpPr>
+        <a:xfrm>
+          <a:off x="0" y="0"/>
+          <a:ext cx="0" cy="0"/>
+          <a:chOff x="0" y="0"/>
+          <a:chExt cx="0" cy="0"/>
+        </a:xfrm>
+      </p:grpSpPr>
+      <p:sp>
+        <p:nvSpPr>
+          <p:cNvPr id="2" name="Title 1"/>
+          <p:cNvSpPr>
+            <a:spLocks noGrp="1"/>
+          </p:cNvSpPr>
+          <p:nvPr>
+            <p:ph type="title"/>
+          </p:nvPr>
+        </p:nvSpPr>
+        <p:spPr/>
+        <p:txBody>
+          <a:bodyPr/>
+          <a:lstStyle/>
+          <a:p>
+            <a:r>
+              <a:rPr lang="en-US" dirty="0"/>
+              <a:t>Can you </a:t>
+            </a:r>
+            <a:r>
+              <a:rPr lang="en-US"/>
+              <a:t>Predict the epl</a:t>
+            </a:r>
+            <a:r>
+              <a:rPr lang="en-US" dirty="0"/>
+              <a:t>?</a:t>
+            </a:r>
+            <a:endParaRPr lang="en-GB" dirty="0"/>
+          </a:p>
+        </p:txBody>
+      </p:sp>
+      <p:sp>
+        <p:nvSpPr>
+          <p:cNvPr id="3" name="TextBox 2"/>
+          <p:cNvSpPr txBox="1"/>
+          <p:nvPr/>
+        </p:nvSpPr>
+        <p:spPr>
+          <a:xfrm>
+            <a:off x="736600" y="2197100"/>
+            <a:ext cx="10401300" cy="369332"/>
+          </a:xfrm>
+          <a:prstGeom prst="rect">
+            <a:avLst/>
+          </a:prstGeom>
+          <a:noFill/>
+        </p:spPr>
+        <p:txBody>
+          <a:bodyPr wrap="square" rtlCol="0">
+            <a:spAutoFit/>
+          </a:bodyPr>
+          <a:lstStyle/>
+          <a:p>
+            <a:endParaRPr lang="en-US" dirty="0"/>
           </a:p>
         </p:txBody>
       </p:sp>
@@ -6237,7 +6373,7 @@
           <a:lstStyle/>
           <a:p>
             <a:r>
-              <a:rPr lang="en-US" dirty="0" smtClean="0"/>
+              <a:rPr lang="en-US" dirty="0"/>
               <a:t>PROPOSAL</a:t>
             </a:r>
             <a:endParaRPr lang="en-GB" dirty="0"/>
@@ -6267,15 +6403,15 @@
           <a:lstStyle/>
           <a:p>
             <a:r>
-              <a:rPr lang="en-US" dirty="0" smtClean="0"/>
+              <a:rPr lang="en-US" dirty="0"/>
               <a:t>In essence, our proposal was to see whether we could use ML to create a model that would </a:t>
             </a:r>
             <a:r>
-              <a:rPr lang="en-US" dirty="0" err="1" smtClean="0"/>
+              <a:rPr lang="en-US" dirty="0" err="1"/>
               <a:t>categorise</a:t>
             </a:r>
             <a:r>
-              <a:rPr lang="en-US" dirty="0" smtClean="0"/>
+              <a:rPr lang="en-US" dirty="0"/>
               <a:t> where a football team would finish in the English Premier League.</a:t>
             </a:r>
           </a:p>
@@ -6284,7 +6420,7 @@
           </a:p>
           <a:p>
             <a:r>
-              <a:rPr lang="en-US" dirty="0" smtClean="0"/>
+              <a:rPr lang="en-US" dirty="0"/>
               <a:t>Three bins created into which each club would be placed:</a:t>
             </a:r>
           </a:p>
@@ -6296,7 +6432,7 @@
               <a:buAutoNum type="arabicParenR"/>
             </a:pPr>
             <a:r>
-              <a:rPr lang="en-US" dirty="0" smtClean="0"/>
+              <a:rPr lang="en-US" dirty="0"/>
               <a:t>European Places (Top 6)</a:t>
             </a:r>
           </a:p>
@@ -6305,7 +6441,7 @@
               <a:buAutoNum type="arabicParenR"/>
             </a:pPr>
             <a:r>
-              <a:rPr lang="en-US" dirty="0" smtClean="0"/>
+              <a:rPr lang="en-US" dirty="0"/>
               <a:t>Mid Table Safety</a:t>
             </a:r>
           </a:p>
@@ -6314,7 +6450,7 @@
               <a:buAutoNum type="arabicParenR" startAt="3"/>
             </a:pPr>
             <a:r>
-              <a:rPr lang="en-US" dirty="0" smtClean="0"/>
+              <a:rPr lang="en-US" dirty="0"/>
               <a:t>Relegation fight  (Bottom 6)</a:t>
             </a:r>
           </a:p>
@@ -6326,21 +6462,21 @@
           </a:p>
           <a:p>
             <a:r>
-              <a:rPr lang="en-US" dirty="0" smtClean="0"/>
+              <a:rPr lang="en-US" dirty="0"/>
               <a:t>By </a:t>
             </a:r>
             <a:r>
-              <a:rPr lang="en-US" dirty="0" err="1" smtClean="0"/>
+              <a:rPr lang="en-US" dirty="0" err="1"/>
               <a:t>utilising</a:t>
             </a:r>
             <a:r>
-              <a:rPr lang="en-US" dirty="0" smtClean="0"/>
+              <a:rPr lang="en-US" dirty="0"/>
               <a:t> a range of statistics, the intention is to train a model that would take this information and use it to put each EPL team into one of these three bins.  Accuracy would be determined by comparing the bin that the model placed them into against what actual bins they would fall into in real life.</a:t>
             </a:r>
           </a:p>
           <a:p>
             <a:r>
-              <a:rPr lang="en-US" dirty="0" smtClean="0"/>
+              <a:rPr lang="en-US" dirty="0"/>
               <a:t> </a:t>
             </a:r>
             <a:endParaRPr lang="en-GB" dirty="0"/>
@@ -6398,11 +6534,11 @@
           <a:lstStyle/>
           <a:p>
             <a:r>
-              <a:rPr lang="en-US" dirty="0" smtClean="0"/>
+              <a:rPr lang="en-US" dirty="0"/>
               <a:t>DATA </a:t>
             </a:r>
             <a:r>
-              <a:rPr lang="en-US" dirty="0" err="1" smtClean="0"/>
+              <a:rPr lang="en-US" dirty="0" err="1"/>
               <a:t>COllection</a:t>
             </a:r>
             <a:endParaRPr lang="en-GB" dirty="0"/>
@@ -6432,15 +6568,15 @@
           <a:lstStyle/>
           <a:p>
             <a:r>
-              <a:rPr lang="en-US" dirty="0" smtClean="0"/>
+              <a:rPr lang="en-US" dirty="0"/>
               <a:t>The use of data in football has exploded in the last few year – from what is collected to how it is used e.g. betting odds, a “</a:t>
             </a:r>
             <a:r>
-              <a:rPr lang="en-US" dirty="0" err="1" smtClean="0"/>
+              <a:rPr lang="en-US" dirty="0" err="1"/>
               <a:t>moneyball</a:t>
             </a:r>
             <a:r>
-              <a:rPr lang="en-US" dirty="0" smtClean="0"/>
+              <a:rPr lang="en-US" dirty="0"/>
               <a:t>” approach for player valuation etc.</a:t>
             </a:r>
           </a:p>
@@ -6449,7 +6585,7 @@
           </a:p>
           <a:p>
             <a:r>
-              <a:rPr lang="en-US" dirty="0" smtClean="0"/>
+              <a:rPr lang="en-US" dirty="0"/>
               <a:t>Success would therefore be determined by choosing the right statistics to use and place in a csv.</a:t>
             </a:r>
           </a:p>
@@ -6458,7 +6594,7 @@
           </a:p>
           <a:p>
             <a:r>
-              <a:rPr lang="en-US" dirty="0" smtClean="0"/>
+              <a:rPr lang="en-US" dirty="0"/>
               <a:t>We decided to collect data over the last 5 EPL seasons.</a:t>
             </a:r>
           </a:p>
@@ -6467,7 +6603,7 @@
           </a:p>
           <a:p>
             <a:r>
-              <a:rPr lang="en-US" dirty="0" smtClean="0"/>
+              <a:rPr lang="en-US" dirty="0"/>
               <a:t>The original data that was collected consisted of:</a:t>
             </a:r>
           </a:p>
@@ -6475,19 +6611,11 @@
             <a:endParaRPr lang="en-US" dirty="0"/>
           </a:p>
           <a:p>
-            <a:r>
-              <a:rPr lang="en-US" dirty="0" smtClean="0"/>
-              <a:t/>
-            </a:r>
             <a:br>
-              <a:rPr lang="en-US" dirty="0" smtClean="0"/>
+              <a:rPr lang="en-US" dirty="0"/>
             </a:br>
-            <a:r>
-              <a:rPr lang="en-US" dirty="0" smtClean="0"/>
-              <a:t/>
-            </a:r>
             <a:br>
-              <a:rPr lang="en-US" dirty="0" smtClean="0"/>
+              <a:rPr lang="en-US" dirty="0"/>
             </a:br>
             <a:endParaRPr lang="en-GB" dirty="0"/>
           </a:p>
@@ -6564,14 +6692,14 @@
                         <a:defRPr/>
                       </a:pPr>
                       <a:r>
-                        <a:rPr lang="en-US" dirty="0" smtClean="0">
+                        <a:rPr lang="en-US" dirty="0">
                           <a:solidFill>
                             <a:schemeClr val="tx1"/>
                           </a:solidFill>
                         </a:rPr>
                         <a:t>Season</a:t>
                       </a:r>
-                      <a:endParaRPr lang="en-GB" dirty="0" smtClean="0">
+                      <a:endParaRPr lang="en-GB" dirty="0">
                         <a:solidFill>
                           <a:schemeClr val="tx1"/>
                         </a:solidFill>
@@ -6603,14 +6731,14 @@
                         <a:defRPr/>
                       </a:pPr>
                       <a:r>
-                        <a:rPr lang="en-US" dirty="0" smtClean="0">
+                        <a:rPr lang="en-US" dirty="0">
                           <a:solidFill>
                             <a:schemeClr val="tx1"/>
                           </a:solidFill>
                         </a:rPr>
                         <a:t>Team Name</a:t>
                       </a:r>
-                      <a:endParaRPr lang="en-GB" dirty="0" smtClean="0">
+                      <a:endParaRPr lang="en-GB" dirty="0">
                         <a:solidFill>
                           <a:schemeClr val="tx1"/>
                         </a:solidFill>
@@ -6642,14 +6770,14 @@
                         <a:defRPr/>
                       </a:pPr>
                       <a:r>
-                        <a:rPr lang="en-US" dirty="0" smtClean="0">
+                        <a:rPr lang="en-US" dirty="0">
                           <a:solidFill>
                             <a:schemeClr val="tx1"/>
                           </a:solidFill>
                         </a:rPr>
                         <a:t>Squad Value </a:t>
                       </a:r>
-                      <a:endParaRPr lang="en-GB" dirty="0" smtClean="0">
+                      <a:endParaRPr lang="en-GB" dirty="0">
                         <a:solidFill>
                           <a:schemeClr val="tx1"/>
                         </a:solidFill>
@@ -6688,10 +6816,10 @@
                         <a:defRPr/>
                       </a:pPr>
                       <a:r>
-                        <a:rPr lang="en-US" dirty="0" smtClean="0"/>
+                        <a:rPr lang="en-US" dirty="0"/>
                         <a:t>Wage Bill </a:t>
                       </a:r>
-                      <a:endParaRPr lang="en-GB" dirty="0" smtClean="0"/>
+                      <a:endParaRPr lang="en-GB" dirty="0"/>
                     </a:p>
                   </a:txBody>
                   <a:tcPr/>
@@ -6702,7 +6830,7 @@
                     <a:lstStyle/>
                     <a:p>
                       <a:r>
-                        <a:rPr lang="en-US" dirty="0" smtClean="0"/>
+                        <a:rPr lang="en-US" dirty="0"/>
                         <a:t>Retained Manager ?</a:t>
                       </a:r>
                       <a:endParaRPr lang="en-GB" dirty="0"/>
@@ -6716,7 +6844,7 @@
                     <a:lstStyle/>
                     <a:p>
                       <a:r>
-                        <a:rPr lang="en-US" dirty="0" smtClean="0"/>
+                        <a:rPr lang="en-US" dirty="0"/>
                         <a:t>Average Home Attendance </a:t>
                       </a:r>
                       <a:endParaRPr lang="en-GB" dirty="0"/>
@@ -6737,11 +6865,11 @@
                     <a:lstStyle/>
                     <a:p>
                       <a:r>
-                        <a:rPr lang="en-US" dirty="0" smtClean="0"/>
+                        <a:rPr lang="en-US" dirty="0"/>
                         <a:t>Transfer</a:t>
                       </a:r>
                       <a:r>
-                        <a:rPr lang="en-US" baseline="0" dirty="0" smtClean="0"/>
+                        <a:rPr lang="en-US" baseline="0" dirty="0"/>
                         <a:t> Spend</a:t>
                       </a:r>
                       <a:endParaRPr lang="en-GB" dirty="0"/>
@@ -6772,10 +6900,10 @@
                         <a:defRPr/>
                       </a:pPr>
                       <a:r>
-                        <a:rPr lang="en-US" dirty="0" smtClean="0"/>
+                        <a:rPr lang="en-US" dirty="0"/>
                         <a:t>Retained Captain ?</a:t>
                       </a:r>
-                      <a:endParaRPr lang="en-GB" dirty="0" smtClean="0"/>
+                      <a:endParaRPr lang="en-GB" dirty="0"/>
                     </a:p>
                   </a:txBody>
                   <a:tcPr/>
@@ -6803,10 +6931,10 @@
                         <a:defRPr/>
                       </a:pPr>
                       <a:r>
-                        <a:rPr lang="en-US" dirty="0" smtClean="0"/>
+                        <a:rPr lang="en-US" dirty="0"/>
                         <a:t>Manager Salary</a:t>
                       </a:r>
-                      <a:endParaRPr lang="en-GB" dirty="0" smtClean="0"/>
+                      <a:endParaRPr lang="en-GB" dirty="0"/>
                     </a:p>
                   </a:txBody>
                   <a:tcPr/>
@@ -6841,10 +6969,10 @@
                         <a:defRPr/>
                       </a:pPr>
                       <a:r>
-                        <a:rPr lang="en-US" dirty="0" smtClean="0"/>
+                        <a:rPr lang="en-US" dirty="0"/>
                         <a:t>Net Number of Transfers </a:t>
                       </a:r>
-                      <a:endParaRPr lang="en-GB" dirty="0" smtClean="0"/>
+                      <a:endParaRPr lang="en-GB" dirty="0"/>
                     </a:p>
                   </a:txBody>
                   <a:tcPr/>
@@ -6872,18 +7000,18 @@
                         <a:defRPr/>
                       </a:pPr>
                       <a:r>
-                        <a:rPr lang="en-US" dirty="0" smtClean="0"/>
+                        <a:rPr lang="en-US" dirty="0"/>
                         <a:t>Previous Season Goal</a:t>
                       </a:r>
                       <a:r>
-                        <a:rPr lang="en-US" baseline="0" dirty="0" smtClean="0"/>
+                        <a:rPr lang="en-US" baseline="0" dirty="0"/>
                         <a:t> </a:t>
                       </a:r>
                       <a:r>
-                        <a:rPr lang="en-US" dirty="0" smtClean="0"/>
+                        <a:rPr lang="en-US" dirty="0"/>
                         <a:t>Difference </a:t>
                       </a:r>
-                      <a:endParaRPr lang="en-GB" dirty="0" smtClean="0"/>
+                      <a:endParaRPr lang="en-GB" dirty="0"/>
                     </a:p>
                   </a:txBody>
                   <a:tcPr/>
@@ -6911,10 +7039,10 @@
                         <a:defRPr/>
                       </a:pPr>
                       <a:r>
-                        <a:rPr lang="en-US" dirty="0" smtClean="0"/>
+                        <a:rPr lang="en-US" dirty="0"/>
                         <a:t>Previous Season Position </a:t>
                       </a:r>
-                      <a:endParaRPr lang="en-GB" dirty="0" smtClean="0"/>
+                      <a:endParaRPr lang="en-GB" dirty="0"/>
                     </a:p>
                   </a:txBody>
                   <a:tcPr/>
@@ -6949,10 +7077,10 @@
                         <a:defRPr/>
                       </a:pPr>
                       <a:r>
-                        <a:rPr lang="en-US" dirty="0" smtClean="0"/>
+                        <a:rPr lang="en-US" dirty="0"/>
                         <a:t>Previous Season Disciplinary Points </a:t>
                       </a:r>
-                      <a:endParaRPr lang="en-GB" dirty="0" smtClean="0"/>
+                      <a:endParaRPr lang="en-GB" dirty="0"/>
                     </a:p>
                   </a:txBody>
                   <a:tcPr/>
@@ -6980,10 +7108,10 @@
                         <a:defRPr/>
                       </a:pPr>
                       <a:r>
-                        <a:rPr lang="en-US" dirty="0" smtClean="0"/>
+                        <a:rPr lang="en-US" dirty="0"/>
                         <a:t>Position Bin </a:t>
                       </a:r>
-                      <a:endParaRPr lang="en-GB" dirty="0" smtClean="0"/>
+                      <a:endParaRPr lang="en-GB" dirty="0"/>
                     </a:p>
                   </a:txBody>
                   <a:tcPr/>
@@ -7059,7 +7187,7 @@
           <a:lstStyle/>
           <a:p>
             <a:r>
-              <a:rPr lang="en-US" dirty="0" smtClean="0"/>
+              <a:rPr lang="en-US" dirty="0"/>
               <a:t>INITIAL DATA CLEANUP</a:t>
             </a:r>
             <a:endParaRPr lang="en-GB" dirty="0"/>
@@ -7089,7 +7217,7 @@
           <a:lstStyle/>
           <a:p>
             <a:r>
-              <a:rPr lang="en-US" dirty="0" smtClean="0"/>
+              <a:rPr lang="en-US" dirty="0"/>
               <a:t>Manager salary was discarded – there was insufficient data to gain anywhere near a complete dataset.</a:t>
             </a:r>
           </a:p>
@@ -7098,7 +7226,7 @@
           </a:p>
           <a:p>
             <a:r>
-              <a:rPr lang="en-US" dirty="0" smtClean="0"/>
+              <a:rPr lang="en-US" dirty="0"/>
               <a:t>There was the issue of dealing with sides that were promoted from the Championship to the Premiership the previous year.  </a:t>
             </a:r>
           </a:p>
@@ -7107,7 +7235,7 @@
           </a:p>
           <a:p>
             <a:r>
-              <a:rPr lang="en-US" dirty="0" smtClean="0"/>
+              <a:rPr lang="en-US" dirty="0"/>
               <a:t>In terms of previous season’s position, the side that was in first place in the Championship was given a position of 18</a:t>
             </a:r>
             <a:r>
@@ -7115,7 +7243,7 @@
               <a:t>th</a:t>
             </a:r>
             <a:r>
-              <a:rPr lang="en-US" dirty="0" smtClean="0"/>
+              <a:rPr lang="en-US" dirty="0"/>
               <a:t>, second 19</a:t>
             </a:r>
             <a:r>
@@ -7123,15 +7251,15 @@
               <a:t>th</a:t>
             </a:r>
             <a:r>
-              <a:rPr lang="en-US" dirty="0" smtClean="0"/>
+              <a:rPr lang="en-US" dirty="0"/>
               <a:t> and third (or lower via the play-offs) 20</a:t>
             </a:r>
             <a:r>
-              <a:rPr lang="en-US" baseline="30000" dirty="0" smtClean="0"/>
+              <a:rPr lang="en-US" baseline="30000" dirty="0"/>
               <a:t>th</a:t>
             </a:r>
             <a:r>
-              <a:rPr lang="en-US" dirty="0" smtClean="0"/>
+              <a:rPr lang="en-US" dirty="0"/>
               <a:t>.</a:t>
             </a:r>
           </a:p>
@@ -7139,19 +7267,11 @@
             <a:endParaRPr lang="en-US" dirty="0"/>
           </a:p>
           <a:p>
-            <a:r>
-              <a:rPr lang="en-US" dirty="0" smtClean="0"/>
-              <a:t/>
-            </a:r>
             <a:br>
-              <a:rPr lang="en-US" dirty="0" smtClean="0"/>
+              <a:rPr lang="en-US" dirty="0"/>
             </a:br>
-            <a:r>
-              <a:rPr lang="en-US" dirty="0" smtClean="0"/>
-              <a:t/>
-            </a:r>
             <a:br>
-              <a:rPr lang="en-US" dirty="0" smtClean="0"/>
+              <a:rPr lang="en-US" dirty="0"/>
             </a:br>
             <a:endParaRPr lang="en-GB" dirty="0"/>
           </a:p>
@@ -7203,7 +7323,7 @@
           <a:lstStyle/>
           <a:p>
             <a:r>
-              <a:rPr lang="en-US" dirty="0" smtClean="0"/>
+              <a:rPr lang="en-US" dirty="0"/>
               <a:t>ORIGINAL MODEL</a:t>
             </a:r>
             <a:endParaRPr lang="en-GB" dirty="0"/>
@@ -7233,7 +7353,7 @@
           <a:lstStyle/>
           <a:p>
             <a:r>
-              <a:rPr lang="en-US" dirty="0" smtClean="0"/>
+              <a:rPr lang="en-US" dirty="0"/>
               <a:t>The data was uploaded and a Random Forest Model, and gave the following results:</a:t>
             </a:r>
           </a:p>
@@ -7241,35 +7361,35 @@
             <a:endParaRPr lang="en-US" dirty="0"/>
           </a:p>
           <a:p>
-            <a:endParaRPr lang="en-US" dirty="0" smtClean="0"/>
-          </a:p>
-          <a:p>
-            <a:endParaRPr lang="en-US" dirty="0"/>
-          </a:p>
-          <a:p>
-            <a:endParaRPr lang="en-US" dirty="0" smtClean="0"/>
-          </a:p>
-          <a:p>
-            <a:endParaRPr lang="en-US" dirty="0"/>
-          </a:p>
-          <a:p>
-            <a:endParaRPr lang="en-US" dirty="0" smtClean="0"/>
-          </a:p>
-          <a:p>
-            <a:endParaRPr lang="en-US" dirty="0"/>
-          </a:p>
-          <a:p>
-            <a:endParaRPr lang="en-US" dirty="0" smtClean="0"/>
-          </a:p>
-          <a:p>
-            <a:endParaRPr lang="en-US" dirty="0"/>
-          </a:p>
-          <a:p>
-            <a:endParaRPr lang="en-US" dirty="0" smtClean="0"/>
-          </a:p>
-          <a:p>
-            <a:r>
-              <a:rPr lang="en-US" dirty="0" smtClean="0"/>
+            <a:endParaRPr lang="en-US" dirty="0"/>
+          </a:p>
+          <a:p>
+            <a:endParaRPr lang="en-US" dirty="0"/>
+          </a:p>
+          <a:p>
+            <a:endParaRPr lang="en-US" dirty="0"/>
+          </a:p>
+          <a:p>
+            <a:endParaRPr lang="en-US" dirty="0"/>
+          </a:p>
+          <a:p>
+            <a:endParaRPr lang="en-US" dirty="0"/>
+          </a:p>
+          <a:p>
+            <a:endParaRPr lang="en-US" dirty="0"/>
+          </a:p>
+          <a:p>
+            <a:endParaRPr lang="en-US" dirty="0"/>
+          </a:p>
+          <a:p>
+            <a:endParaRPr lang="en-US" dirty="0"/>
+          </a:p>
+          <a:p>
+            <a:endParaRPr lang="en-US" dirty="0"/>
+          </a:p>
+          <a:p>
+            <a:r>
+              <a:rPr lang="en-US" dirty="0"/>
               <a:t> </a:t>
             </a:r>
             <a:endParaRPr lang="en-GB" dirty="0"/>
@@ -7375,11 +7495,11 @@
           <a:lstStyle/>
           <a:p>
             <a:r>
-              <a:rPr lang="en-US" dirty="0" err="1" smtClean="0"/>
+              <a:rPr lang="en-US" dirty="0" err="1"/>
               <a:t>Optimising</a:t>
             </a:r>
             <a:r>
-              <a:rPr lang="en-US" dirty="0" smtClean="0"/>
+              <a:rPr lang="en-US" dirty="0"/>
               <a:t> our model</a:t>
             </a:r>
             <a:endParaRPr lang="en-GB" dirty="0"/>
@@ -7411,19 +7531,11 @@
             <a:endParaRPr lang="en-US" dirty="0"/>
           </a:p>
           <a:p>
-            <a:r>
-              <a:rPr lang="en-US" dirty="0" smtClean="0"/>
-              <a:t/>
-            </a:r>
             <a:br>
-              <a:rPr lang="en-US" dirty="0" smtClean="0"/>
+              <a:rPr lang="en-US" dirty="0"/>
             </a:br>
-            <a:r>
-              <a:rPr lang="en-US" dirty="0" smtClean="0"/>
-              <a:t/>
-            </a:r>
             <a:br>
-              <a:rPr lang="en-US" dirty="0" smtClean="0"/>
+              <a:rPr lang="en-US" dirty="0"/>
             </a:br>
             <a:endParaRPr lang="en-GB" dirty="0"/>
           </a:p>
@@ -7452,29 +7564,25 @@
           <a:lstStyle/>
           <a:p>
             <a:r>
-              <a:rPr lang="en-US" dirty="0" smtClean="0"/>
+              <a:rPr lang="en-US" dirty="0"/>
               <a:t>Once we looked through the model, it was obvious that there were some </a:t>
             </a:r>
             <a:r>
-              <a:rPr lang="en-US" dirty="0" err="1" smtClean="0"/>
+              <a:rPr lang="en-US" dirty="0" err="1"/>
               <a:t>datapoints</a:t>
             </a:r>
             <a:r>
-              <a:rPr lang="en-US" dirty="0" smtClean="0"/>
+              <a:rPr lang="en-US" dirty="0"/>
               <a:t> that we were not happy with, and seemed inconsistent with what we were trying to achieve.</a:t>
             </a:r>
             <a:br>
-              <a:rPr lang="en-US" dirty="0" smtClean="0"/>
+              <a:rPr lang="en-US" dirty="0"/>
             </a:br>
-            <a:r>
-              <a:rPr lang="en-US" dirty="0" smtClean="0"/>
-              <a:t/>
-            </a:r>
             <a:br>
-              <a:rPr lang="en-US" dirty="0" smtClean="0"/>
+              <a:rPr lang="en-US" dirty="0"/>
             </a:br>
             <a:r>
-              <a:rPr lang="en-US" dirty="0" smtClean="0"/>
+              <a:rPr lang="en-US" dirty="0"/>
               <a:t>Previous Season’s Goal Difference – promoted teams in their promotion year had a much higher goal difference than would be expected.  This was changed to the goal difference they had during the last season that they were in the EPL when they were relegated.</a:t>
             </a:r>
           </a:p>
@@ -7483,7 +7591,7 @@
           </a:p>
           <a:p>
             <a:r>
-              <a:rPr lang="en-US" dirty="0" smtClean="0"/>
+              <a:rPr lang="en-US" dirty="0"/>
               <a:t>Season and Team Name were dropped  – they are useful markers, but they do not affect performance.</a:t>
             </a:r>
           </a:p>
@@ -7492,15 +7600,15 @@
           </a:p>
           <a:p>
             <a:r>
-              <a:rPr lang="en-US" dirty="0" smtClean="0"/>
+              <a:rPr lang="en-US" dirty="0"/>
               <a:t>Average Distance to Away Games was dropped – whilst local derbies effects are well known, it seemed irrelevant as it </a:t>
             </a:r>
             <a:r>
-              <a:rPr lang="en-US" dirty="0" err="1" smtClean="0"/>
+              <a:rPr lang="en-US" dirty="0" err="1"/>
               <a:t>emphasises</a:t>
             </a:r>
             <a:r>
-              <a:rPr lang="en-US" dirty="0" smtClean="0"/>
+              <a:rPr lang="en-US" dirty="0"/>
               <a:t> geographical location as opposed to more footballing reasons.</a:t>
             </a:r>
           </a:p>
@@ -7509,7 +7617,7 @@
           </a:p>
           <a:p>
             <a:r>
-              <a:rPr lang="en-US" dirty="0" smtClean="0"/>
+              <a:rPr lang="en-US" dirty="0"/>
               <a:t>The number of Games Played and the number of Managers employed by each club for each season were also added to give more features.  One concern last season for example for the mighty AVFC was that their EPL form would suffer due to playing more matches in Europe.  Also a stable management team is usually the sign of a successful, well run club. </a:t>
             </a:r>
             <a:endParaRPr lang="en-GB" dirty="0"/>
@@ -7562,7 +7670,7 @@
           <a:lstStyle/>
           <a:p>
             <a:r>
-              <a:rPr lang="en-US" dirty="0" smtClean="0"/>
+              <a:rPr lang="en-US" dirty="0"/>
               <a:t>REFINED MODEL 1</a:t>
             </a:r>
             <a:endParaRPr lang="en-GB" dirty="0"/>
@@ -7592,7 +7700,7 @@
           <a:lstStyle/>
           <a:p>
             <a:r>
-              <a:rPr lang="en-US" dirty="0" smtClean="0"/>
+              <a:rPr lang="en-US" dirty="0"/>
               <a:t>The data was uploaded and a Random Forest Model, and gave the following results:</a:t>
             </a:r>
           </a:p>
@@ -7600,35 +7708,35 @@
             <a:endParaRPr lang="en-US" dirty="0"/>
           </a:p>
           <a:p>
-            <a:endParaRPr lang="en-US" dirty="0" smtClean="0"/>
-          </a:p>
-          <a:p>
-            <a:endParaRPr lang="en-US" dirty="0"/>
-          </a:p>
-          <a:p>
-            <a:endParaRPr lang="en-US" dirty="0" smtClean="0"/>
-          </a:p>
-          <a:p>
-            <a:endParaRPr lang="en-US" dirty="0"/>
-          </a:p>
-          <a:p>
-            <a:endParaRPr lang="en-US" dirty="0" smtClean="0"/>
-          </a:p>
-          <a:p>
-            <a:endParaRPr lang="en-US" dirty="0"/>
-          </a:p>
-          <a:p>
-            <a:endParaRPr lang="en-US" dirty="0" smtClean="0"/>
-          </a:p>
-          <a:p>
-            <a:endParaRPr lang="en-US" dirty="0"/>
-          </a:p>
-          <a:p>
-            <a:endParaRPr lang="en-US" dirty="0" smtClean="0"/>
-          </a:p>
-          <a:p>
-            <a:r>
-              <a:rPr lang="en-US" dirty="0" smtClean="0"/>
+            <a:endParaRPr lang="en-US" dirty="0"/>
+          </a:p>
+          <a:p>
+            <a:endParaRPr lang="en-US" dirty="0"/>
+          </a:p>
+          <a:p>
+            <a:endParaRPr lang="en-US" dirty="0"/>
+          </a:p>
+          <a:p>
+            <a:endParaRPr lang="en-US" dirty="0"/>
+          </a:p>
+          <a:p>
+            <a:endParaRPr lang="en-US" dirty="0"/>
+          </a:p>
+          <a:p>
+            <a:endParaRPr lang="en-US" dirty="0"/>
+          </a:p>
+          <a:p>
+            <a:endParaRPr lang="en-US" dirty="0"/>
+          </a:p>
+          <a:p>
+            <a:endParaRPr lang="en-US" dirty="0"/>
+          </a:p>
+          <a:p>
+            <a:endParaRPr lang="en-US" dirty="0"/>
+          </a:p>
+          <a:p>
+            <a:r>
+              <a:rPr lang="en-US" dirty="0"/>
               <a:t> </a:t>
             </a:r>
             <a:endParaRPr lang="en-GB" dirty="0"/>
@@ -7729,7 +7837,7 @@
           <a:lstStyle/>
           <a:p>
             <a:r>
-              <a:rPr lang="en-US" dirty="0" smtClean="0"/>
+              <a:rPr lang="en-US" dirty="0"/>
               <a:t>REFINED MODEL 2 – Bottom 5,4,3.</a:t>
             </a:r>
             <a:endParaRPr lang="en-GB" dirty="0"/>
@@ -7759,7 +7867,7 @@
           <a:lstStyle/>
           <a:p>
             <a:r>
-              <a:rPr lang="en-US" dirty="0" smtClean="0"/>
+              <a:rPr lang="en-US" dirty="0"/>
               <a:t>The data was uploaded and a Random Forest Model, and gave the following results:</a:t>
             </a:r>
           </a:p>
@@ -7767,35 +7875,35 @@
             <a:endParaRPr lang="en-US" dirty="0"/>
           </a:p>
           <a:p>
-            <a:endParaRPr lang="en-US" dirty="0" smtClean="0"/>
-          </a:p>
-          <a:p>
-            <a:endParaRPr lang="en-US" dirty="0"/>
-          </a:p>
-          <a:p>
-            <a:endParaRPr lang="en-US" dirty="0" smtClean="0"/>
-          </a:p>
-          <a:p>
-            <a:endParaRPr lang="en-US" dirty="0"/>
-          </a:p>
-          <a:p>
-            <a:endParaRPr lang="en-US" dirty="0" smtClean="0"/>
-          </a:p>
-          <a:p>
-            <a:endParaRPr lang="en-US" dirty="0"/>
-          </a:p>
-          <a:p>
-            <a:endParaRPr lang="en-US" dirty="0" smtClean="0"/>
-          </a:p>
-          <a:p>
-            <a:endParaRPr lang="en-US" dirty="0"/>
-          </a:p>
-          <a:p>
-            <a:endParaRPr lang="en-US" dirty="0" smtClean="0"/>
-          </a:p>
-          <a:p>
-            <a:r>
-              <a:rPr lang="en-US" dirty="0" smtClean="0"/>
+            <a:endParaRPr lang="en-US" dirty="0"/>
+          </a:p>
+          <a:p>
+            <a:endParaRPr lang="en-US" dirty="0"/>
+          </a:p>
+          <a:p>
+            <a:endParaRPr lang="en-US" dirty="0"/>
+          </a:p>
+          <a:p>
+            <a:endParaRPr lang="en-US" dirty="0"/>
+          </a:p>
+          <a:p>
+            <a:endParaRPr lang="en-US" dirty="0"/>
+          </a:p>
+          <a:p>
+            <a:endParaRPr lang="en-US" dirty="0"/>
+          </a:p>
+          <a:p>
+            <a:endParaRPr lang="en-US" dirty="0"/>
+          </a:p>
+          <a:p>
+            <a:endParaRPr lang="en-US" dirty="0"/>
+          </a:p>
+          <a:p>
+            <a:endParaRPr lang="en-US" dirty="0"/>
+          </a:p>
+          <a:p>
+            <a:r>
+              <a:rPr lang="en-US" dirty="0"/>
               <a:t> </a:t>
             </a:r>
             <a:endParaRPr lang="en-GB" dirty="0"/>
@@ -7825,7 +7933,7 @@
           <a:lstStyle/>
           <a:p>
             <a:r>
-              <a:rPr lang="en-US" dirty="0" smtClean="0"/>
+              <a:rPr lang="en-US" dirty="0"/>
               <a:t>             Bottom 5                                                                                 Bottom 4                                                                      Bottom 3</a:t>
             </a:r>
             <a:endParaRPr lang="en-GB" dirty="0"/>
@@ -7950,7 +8058,7 @@
           <a:lstStyle/>
           <a:p>
             <a:r>
-              <a:rPr lang="en-US" dirty="0" smtClean="0"/>
+              <a:rPr lang="en-US" dirty="0"/>
               <a:t>FURTHER OPTIMISATIONS</a:t>
             </a:r>
             <a:endParaRPr lang="en-GB" dirty="0"/>
@@ -7980,15 +8088,15 @@
           <a:lstStyle/>
           <a:p>
             <a:r>
-              <a:rPr lang="en-US" dirty="0" smtClean="0"/>
+              <a:rPr lang="en-US" dirty="0"/>
               <a:t>Refining the Random Forest Model – </a:t>
             </a:r>
             <a:r>
-              <a:rPr lang="en-US" dirty="0" err="1" smtClean="0"/>
+              <a:rPr lang="en-US" dirty="0" err="1"/>
               <a:t>hyperparameter</a:t>
             </a:r>
             <a:r>
-              <a:rPr lang="en-US" dirty="0" smtClean="0"/>
+              <a:rPr lang="en-US" dirty="0"/>
               <a:t> tuning and feature selection were applied.</a:t>
             </a:r>
           </a:p>
@@ -7997,7 +8105,7 @@
           </a:p>
           <a:p>
             <a:r>
-              <a:rPr lang="en-US" dirty="0" smtClean="0"/>
+              <a:rPr lang="en-US" dirty="0"/>
               <a:t>Using different ML models – a Neural Network, a Support Vector Machine and Gradient boosting.</a:t>
             </a:r>
           </a:p>
@@ -8006,7 +8114,7 @@
           </a:p>
           <a:p>
             <a:r>
-              <a:rPr lang="en-US" dirty="0" smtClean="0"/>
+              <a:rPr lang="en-US" dirty="0"/>
               <a:t>None of the above increased the accuracy to above what we already had, suggesting we had a fairly optimal solution to start.</a:t>
             </a:r>
           </a:p>
@@ -8014,11 +8122,11 @@
             <a:endParaRPr lang="en-US" dirty="0"/>
           </a:p>
           <a:p>
-            <a:endParaRPr lang="en-US" dirty="0" smtClean="0"/>
-          </a:p>
-          <a:p>
-            <a:r>
-              <a:rPr lang="en-US" dirty="0" smtClean="0"/>
+            <a:endParaRPr lang="en-US" dirty="0"/>
+          </a:p>
+          <a:p>
+            <a:r>
+              <a:rPr lang="en-US" dirty="0"/>
               <a:t>In short………we got lucky!</a:t>
             </a:r>
             <a:endParaRPr lang="en-GB" dirty="0"/>

--- a/Group Project 4 to Github.pptx
+++ b/Group Project 4 to Github.pptx
@@ -13,9 +13,10 @@
     <p:sldId id="261" r:id="rId7"/>
     <p:sldId id="262" r:id="rId8"/>
     <p:sldId id="263" r:id="rId9"/>
-    <p:sldId id="264" r:id="rId10"/>
-    <p:sldId id="266" r:id="rId11"/>
-    <p:sldId id="265" r:id="rId12"/>
+    <p:sldId id="265" r:id="rId10"/>
+    <p:sldId id="264" r:id="rId11"/>
+    <p:sldId id="266" r:id="rId12"/>
+    <p:sldId id="267" r:id="rId13"/>
   </p:sldIdLst>
   <p:sldSz cx="12192000" cy="6858000"/>
   <p:notesSz cx="6858000" cy="9144000"/>
@@ -575,7 +576,7 @@
           <a:p>
             <a:fld id="{F7AFFB9B-9FB8-469E-96F9-4D32314110B6}" type="datetimeFigureOut">
               <a:rPr lang="en-US" dirty="0"/>
-              <a:t>7/22/24</a:t>
+              <a:t>7/22/2024</a:t>
             </a:fld>
             <a:endParaRPr lang="en-US" dirty="0"/>
           </a:p>
@@ -903,7 +904,7 @@
           <a:p>
             <a:fld id="{341D2AC3-6A0B-4169-B1EA-E3AE8B351BDD}" type="datetimeFigureOut">
               <a:rPr lang="en-US" dirty="0"/>
-              <a:t>7/22/24</a:t>
+              <a:t>7/22/2024</a:t>
             </a:fld>
             <a:endParaRPr lang="en-US" dirty="0"/>
           </a:p>
@@ -1094,7 +1095,7 @@
           <a:p>
             <a:fld id="{DD4B9363-8B87-41B7-9F8E-64519CBB8F34}" type="datetimeFigureOut">
               <a:rPr lang="en-US" dirty="0"/>
-              <a:t>7/22/24</a:t>
+              <a:t>7/22/2024</a:t>
             </a:fld>
             <a:endParaRPr lang="en-US" dirty="0"/>
           </a:p>
@@ -1359,7 +1360,7 @@
           <a:p>
             <a:fld id="{EAEF5746-5284-4951-9F37-7AE924EDBCB7}" type="datetimeFigureOut">
               <a:rPr lang="en-US" dirty="0"/>
-              <a:t>7/22/24</a:t>
+              <a:t>7/22/2024</a:t>
             </a:fld>
             <a:endParaRPr lang="en-US" dirty="0"/>
           </a:p>
@@ -1782,7 +1783,7 @@
           <a:p>
             <a:fld id="{02398B29-7265-4A65-A2A4-6703C057B7C1}" type="datetimeFigureOut">
               <a:rPr lang="en-US" dirty="0"/>
-              <a:t>7/22/24</a:t>
+              <a:t>7/22/2024</a:t>
             </a:fld>
             <a:endParaRPr lang="en-US" dirty="0"/>
           </a:p>
@@ -2327,7 +2328,7 @@
           <a:p>
             <a:fld id="{28FBA082-94DF-4C4B-A041-6624924AB0A8}" type="datetimeFigureOut">
               <a:rPr lang="en-US" dirty="0"/>
-              <a:t>7/22/24</a:t>
+              <a:t>7/22/2024</a:t>
             </a:fld>
             <a:endParaRPr lang="en-US" dirty="0"/>
           </a:p>
@@ -3112,7 +3113,7 @@
           <a:p>
             <a:fld id="{B27686C4-3AB5-4E0C-86CA-FB108C350AA9}" type="datetimeFigureOut">
               <a:rPr lang="en-US" dirty="0"/>
-              <a:t>7/22/24</a:t>
+              <a:t>7/22/2024</a:t>
             </a:fld>
             <a:endParaRPr lang="en-US" dirty="0"/>
           </a:p>
@@ -3286,7 +3287,7 @@
           <a:p>
             <a:fld id="{49FF1211-4E0C-4AB3-B04F-585959BDAFE8}" type="datetimeFigureOut">
               <a:rPr lang="en-US" dirty="0"/>
-              <a:t>7/22/24</a:t>
+              <a:t>7/22/2024</a:t>
             </a:fld>
             <a:endParaRPr lang="en-US" dirty="0"/>
           </a:p>
@@ -3465,7 +3466,7 @@
           <a:p>
             <a:fld id="{28BDECAF-D3BE-4069-9C78-642ECCD01477}" type="datetimeFigureOut">
               <a:rPr lang="en-US" dirty="0"/>
-              <a:t>7/22/24</a:t>
+              <a:t>7/22/2024</a:t>
             </a:fld>
             <a:endParaRPr lang="en-US" dirty="0"/>
           </a:p>
@@ -3635,7 +3636,7 @@
           <a:p>
             <a:fld id="{8EFBDC27-E420-4878-9EE6-7B9656D6442A}" type="datetimeFigureOut">
               <a:rPr lang="en-US" dirty="0"/>
-              <a:t>7/22/24</a:t>
+              <a:t>7/22/2024</a:t>
             </a:fld>
             <a:endParaRPr lang="en-US" dirty="0"/>
           </a:p>
@@ -3880,7 +3881,7 @@
           <a:p>
             <a:fld id="{0F7F47CF-67C9-420C-80A5-E2069FF0C2DF}" type="datetimeFigureOut">
               <a:rPr lang="en-US" dirty="0"/>
-              <a:t>7/22/24</a:t>
+              <a:t>7/22/2024</a:t>
             </a:fld>
             <a:endParaRPr lang="en-US" dirty="0"/>
           </a:p>
@@ -4112,7 +4113,7 @@
           <a:p>
             <a:fld id="{AE22DC73-F065-42F5-A9F2-D90B2E42A0B3}" type="datetimeFigureOut">
               <a:rPr lang="en-US" dirty="0"/>
-              <a:t>7/22/24</a:t>
+              <a:t>7/22/2024</a:t>
             </a:fld>
             <a:endParaRPr lang="en-US" dirty="0"/>
           </a:p>
@@ -4492,7 +4493,7 @@
           <a:p>
             <a:fld id="{76BEA702-9B29-41CC-9BCC-3DF8A0D379FE}" type="datetimeFigureOut">
               <a:rPr lang="en-US" dirty="0"/>
-              <a:t>7/22/24</a:t>
+              <a:t>7/22/2024</a:t>
             </a:fld>
             <a:endParaRPr lang="en-US" dirty="0"/>
           </a:p>
@@ -4605,7 +4606,7 @@
           <a:p>
             <a:fld id="{097649AC-CB8F-4FF1-9A34-5861C74DD0A7}" type="datetimeFigureOut">
               <a:rPr lang="en-US" dirty="0"/>
-              <a:t>7/22/24</a:t>
+              <a:t>7/22/2024</a:t>
             </a:fld>
             <a:endParaRPr lang="en-US" dirty="0"/>
           </a:p>
@@ -4695,7 +4696,7 @@
           <a:p>
             <a:fld id="{3EC5CECA-2D3A-4680-9B49-752200DE467C}" type="datetimeFigureOut">
               <a:rPr lang="en-US" dirty="0"/>
-              <a:t>7/22/24</a:t>
+              <a:t>7/22/2024</a:t>
             </a:fld>
             <a:endParaRPr lang="en-US" dirty="0"/>
           </a:p>
@@ -4943,7 +4944,7 @@
           <a:p>
             <a:fld id="{50C3BFE2-83B7-4B0A-B9D3-AB28331082B3}" type="datetimeFigureOut">
               <a:rPr lang="en-US" dirty="0"/>
-              <a:t>7/22/24</a:t>
+              <a:t>7/22/2024</a:t>
             </a:fld>
             <a:endParaRPr lang="en-US" dirty="0"/>
           </a:p>
@@ -5207,7 +5208,7 @@
           <a:p>
             <a:fld id="{12EF78E3-FDA3-4D28-AAA2-0B81F349A39D}" type="datetimeFigureOut">
               <a:rPr lang="en-US" dirty="0"/>
-              <a:t>7/22/24</a:t>
+              <a:t>7/22/2024</a:t>
             </a:fld>
             <a:endParaRPr lang="en-US" dirty="0"/>
           </a:p>
@@ -5605,7 +5606,7 @@
           <a:p>
             <a:fld id="{C35BB1C6-BF8F-4481-8AB2-603A1C8A906A}" type="datetimeFigureOut">
               <a:rPr lang="en-US" dirty="0"/>
-              <a:t>7/22/24</a:t>
+              <a:t>7/22/2024</a:t>
             </a:fld>
             <a:endParaRPr lang="en-US" dirty="0"/>
           </a:p>
@@ -6137,13 +6138,7 @@
       </p:grpSpPr>
       <p:sp>
         <p:nvSpPr>
-          <p:cNvPr id="3" name="Title 2">
-            <a:extLst>
-              <a:ext uri="{FF2B5EF4-FFF2-40B4-BE49-F238E27FC236}">
-                <a16:creationId xmlns:a16="http://schemas.microsoft.com/office/drawing/2014/main" id="{3AA0605C-92A1-8107-B1D9-928CA7DCDA27}"/>
-              </a:ext>
-            </a:extLst>
-          </p:cNvPr>
+          <p:cNvPr id="2" name="Title 1"/>
           <p:cNvSpPr>
             <a:spLocks noGrp="1"/>
           </p:cNvSpPr>
@@ -6157,28 +6152,23 @@
           <a:lstStyle/>
           <a:p>
             <a:r>
-              <a:rPr lang="en-GB" dirty="0"/>
-              <a:t>Interactive Predictor app</a:t>
-            </a:r>
-          </a:p>
-        </p:txBody>
-      </p:sp>
-      <p:sp>
-        <p:nvSpPr>
-          <p:cNvPr id="5" name="TextBox 4">
-            <a:extLst>
-              <a:ext uri="{FF2B5EF4-FFF2-40B4-BE49-F238E27FC236}">
-                <a16:creationId xmlns:a16="http://schemas.microsoft.com/office/drawing/2014/main" id="{DE1E9C59-E6D3-5BBC-5B8D-CBE75EE7474D}"/>
-              </a:ext>
-            </a:extLst>
-          </p:cNvPr>
+              <a:rPr lang="en-US" dirty="0"/>
+              <a:t>FURTHER OPTIMISATIONS</a:t>
+            </a:r>
+            <a:endParaRPr lang="en-GB" dirty="0"/>
+          </a:p>
+        </p:txBody>
+      </p:sp>
+      <p:sp>
+        <p:nvSpPr>
+          <p:cNvPr id="3" name="TextBox 2"/>
           <p:cNvSpPr txBox="1"/>
           <p:nvPr/>
         </p:nvSpPr>
         <p:spPr>
           <a:xfrm>
-            <a:off x="1312032" y="1859339"/>
-            <a:ext cx="9567935" cy="3139321"/>
+            <a:off x="736600" y="2197100"/>
+            <a:ext cx="10401300" cy="2585323"/>
           </a:xfrm>
           <a:prstGeom prst="rect">
             <a:avLst/>
@@ -6192,58 +6182,55 @@
           <a:lstStyle/>
           <a:p>
             <a:r>
-              <a:rPr lang="en-GB" dirty="0"/>
-              <a:t>Building a predictor app makes our model useable and interactive</a:t>
-            </a:r>
-          </a:p>
-          <a:p>
+              <a:rPr lang="en-US" dirty="0"/>
+              <a:t>Refining the Random Forest Model – </a:t>
+            </a:r>
+            <a:r>
+              <a:rPr lang="en-US" dirty="0" err="1"/>
+              <a:t>hyperparameter</a:t>
+            </a:r>
+            <a:r>
+              <a:rPr lang="en-US" dirty="0"/>
+              <a:t> tuning and feature selection were applied.</a:t>
+            </a:r>
+          </a:p>
+          <a:p>
+            <a:endParaRPr lang="en-US" dirty="0"/>
+          </a:p>
+          <a:p>
+            <a:r>
+              <a:rPr lang="en-US" dirty="0"/>
+              <a:t>Using different ML models – a Neural Network, a Support Vector Machine and Gradient boosting.</a:t>
+            </a:r>
+          </a:p>
+          <a:p>
+            <a:endParaRPr lang="en-US" dirty="0"/>
+          </a:p>
+          <a:p>
+            <a:r>
+              <a:rPr lang="en-US" dirty="0"/>
+              <a:t>None of the above increased the accuracy to above what we already had, suggesting we had a fairly optimal solution to start.</a:t>
+            </a:r>
+          </a:p>
+          <a:p>
+            <a:endParaRPr lang="en-US" dirty="0"/>
+          </a:p>
+          <a:p>
+            <a:endParaRPr lang="en-US" dirty="0"/>
+          </a:p>
+          <a:p>
+            <a:r>
+              <a:rPr lang="en-US" dirty="0"/>
+              <a:t>In short………we got lucky!</a:t>
+            </a:r>
             <a:endParaRPr lang="en-GB" dirty="0"/>
-          </a:p>
-          <a:p>
-            <a:endParaRPr lang="en-GB" dirty="0"/>
-          </a:p>
-          <a:p>
-            <a:r>
-              <a:rPr lang="en-GB" dirty="0"/>
-              <a:t>It might just be a bit of fun for fans,</a:t>
-            </a:r>
-          </a:p>
-          <a:p>
-            <a:r>
-              <a:rPr lang="en-GB" dirty="0"/>
-              <a:t>				but could it also become a business tool for the premier league?</a:t>
-            </a:r>
-          </a:p>
-          <a:p>
-            <a:endParaRPr lang="en-GB" dirty="0"/>
-          </a:p>
-          <a:p>
-            <a:endParaRPr lang="en-GB" dirty="0"/>
-          </a:p>
-          <a:p>
-            <a:endParaRPr lang="en-GB" dirty="0"/>
-          </a:p>
-          <a:p>
-            <a:r>
-              <a:rPr lang="en-GB" dirty="0"/>
-              <a:t>Can it be applied elsewhere?   - other leagues at home or away? other sports?</a:t>
-            </a:r>
-          </a:p>
-          <a:p>
-            <a:endParaRPr lang="en-GB" dirty="0"/>
-          </a:p>
-          <a:p>
-            <a:r>
-              <a:rPr lang="en-GB" dirty="0"/>
-              <a:t>What other features might we be able to add? – more variable options?</a:t>
-            </a:r>
           </a:p>
         </p:txBody>
       </p:sp>
     </p:spTree>
     <p:extLst>
       <p:ext uri="{BB962C8B-B14F-4D97-AF65-F5344CB8AC3E}">
-        <p14:creationId xmlns:p14="http://schemas.microsoft.com/office/powerpoint/2010/main" val="1486116417"/>
+        <p14:creationId xmlns:p14="http://schemas.microsoft.com/office/powerpoint/2010/main" val="3268364669"/>
       </p:ext>
     </p:extLst>
   </p:cSld>
@@ -6272,7 +6259,13 @@
       </p:grpSpPr>
       <p:sp>
         <p:nvSpPr>
-          <p:cNvPr id="2" name="Title 1"/>
+          <p:cNvPr id="3" name="Title 2">
+            <a:extLst>
+              <a:ext uri="{FF2B5EF4-FFF2-40B4-BE49-F238E27FC236}">
+                <a16:creationId xmlns:a16="http://schemas.microsoft.com/office/drawing/2014/main" id="{3AA0605C-92A1-8107-B1D9-928CA7DCDA27}"/>
+              </a:ext>
+            </a:extLst>
+          </p:cNvPr>
           <p:cNvSpPr>
             <a:spLocks noGrp="1"/>
           </p:cNvSpPr>
@@ -6286,31 +6279,28 @@
           <a:lstStyle/>
           <a:p>
             <a:r>
-              <a:rPr lang="en-US" dirty="0"/>
-              <a:t>Can you </a:t>
-            </a:r>
-            <a:r>
-              <a:rPr lang="en-US"/>
-              <a:t>Predict the epl</a:t>
-            </a:r>
-            <a:r>
-              <a:rPr lang="en-US" dirty="0"/>
-              <a:t>?</a:t>
-            </a:r>
-            <a:endParaRPr lang="en-GB" dirty="0"/>
-          </a:p>
-        </p:txBody>
-      </p:sp>
-      <p:sp>
-        <p:nvSpPr>
-          <p:cNvPr id="3" name="TextBox 2"/>
+              <a:rPr lang="en-GB" dirty="0"/>
+              <a:t>Interactive Predictor app</a:t>
+            </a:r>
+          </a:p>
+        </p:txBody>
+      </p:sp>
+      <p:sp>
+        <p:nvSpPr>
+          <p:cNvPr id="5" name="TextBox 4">
+            <a:extLst>
+              <a:ext uri="{FF2B5EF4-FFF2-40B4-BE49-F238E27FC236}">
+                <a16:creationId xmlns:a16="http://schemas.microsoft.com/office/drawing/2014/main" id="{DE1E9C59-E6D3-5BBC-5B8D-CBE75EE7474D}"/>
+              </a:ext>
+            </a:extLst>
+          </p:cNvPr>
           <p:cNvSpPr txBox="1"/>
           <p:nvPr/>
         </p:nvSpPr>
         <p:spPr>
           <a:xfrm>
-            <a:off x="736600" y="2197100"/>
-            <a:ext cx="10401300" cy="369332"/>
+            <a:off x="1312032" y="1859339"/>
+            <a:ext cx="9567935" cy="3693319"/>
           </a:xfrm>
           <a:prstGeom prst="rect">
             <a:avLst/>
@@ -6323,14 +6313,197 @@
           </a:bodyPr>
           <a:lstStyle/>
           <a:p>
-            <a:endParaRPr lang="en-US" dirty="0"/>
+            <a:r>
+              <a:rPr lang="en-GB" dirty="0"/>
+              <a:t>Building a predictor app makes our model useable and interactive</a:t>
+            </a:r>
+          </a:p>
+          <a:p>
+            <a:endParaRPr lang="en-GB" dirty="0"/>
+          </a:p>
+          <a:p>
+            <a:endParaRPr lang="en-GB" dirty="0"/>
+          </a:p>
+          <a:p>
+            <a:r>
+              <a:rPr lang="en-GB" dirty="0"/>
+              <a:t>It might just be a bit of fun for </a:t>
+            </a:r>
+            <a:r>
+              <a:rPr lang="en-GB" dirty="0" smtClean="0"/>
+              <a:t>fans, but </a:t>
+            </a:r>
+            <a:r>
+              <a:rPr lang="en-GB" dirty="0"/>
+              <a:t>could it also become a business tool for the premier league?</a:t>
+            </a:r>
+          </a:p>
+          <a:p>
+            <a:endParaRPr lang="en-US" dirty="0"/>
+          </a:p>
+          <a:p>
+            <a:endParaRPr lang="en-GB" dirty="0"/>
+          </a:p>
+          <a:p>
+            <a:r>
+              <a:rPr lang="en-GB" dirty="0"/>
+              <a:t>Can it be applied elsewhere?   - other leagues at home or </a:t>
+            </a:r>
+            <a:r>
+              <a:rPr lang="en-GB" dirty="0" smtClean="0"/>
+              <a:t>overseas? </a:t>
+            </a:r>
+          </a:p>
+          <a:p>
+            <a:endParaRPr lang="en-GB" dirty="0"/>
+          </a:p>
+          <a:p>
+            <a:endParaRPr lang="en-GB" dirty="0" smtClean="0"/>
+          </a:p>
+          <a:p>
+            <a:r>
+              <a:rPr lang="en-GB" dirty="0" smtClean="0"/>
+              <a:t>Can it be applied to other </a:t>
+            </a:r>
+            <a:r>
+              <a:rPr lang="en-GB" dirty="0"/>
+              <a:t>sports?</a:t>
+            </a:r>
+          </a:p>
+          <a:p>
+            <a:endParaRPr lang="en-GB" dirty="0"/>
+          </a:p>
+          <a:p>
+            <a:endParaRPr lang="en-GB" dirty="0" smtClean="0"/>
+          </a:p>
+          <a:p>
+            <a:r>
+              <a:rPr lang="en-GB" dirty="0" smtClean="0"/>
+              <a:t>What </a:t>
+            </a:r>
+            <a:r>
+              <a:rPr lang="en-GB" dirty="0"/>
+              <a:t>other features might we be able to add? – more variable options?</a:t>
+            </a:r>
           </a:p>
         </p:txBody>
       </p:sp>
     </p:spTree>
     <p:extLst>
       <p:ext uri="{BB962C8B-B14F-4D97-AF65-F5344CB8AC3E}">
-        <p14:creationId xmlns:p14="http://schemas.microsoft.com/office/powerpoint/2010/main" val="2625971804"/>
+        <p14:creationId xmlns:p14="http://schemas.microsoft.com/office/powerpoint/2010/main" val="1486116417"/>
+      </p:ext>
+    </p:extLst>
+  </p:cSld>
+  <p:clrMapOvr>
+    <a:masterClrMapping/>
+  </p:clrMapOvr>
+</p:sld>
+</file>
+
+<file path=ppt/slides/slide12.xml><?xml version="1.0" encoding="utf-8"?>
+<p:sld xmlns:a="http://schemas.openxmlformats.org/drawingml/2006/main" xmlns:r="http://schemas.openxmlformats.org/officeDocument/2006/relationships" xmlns:p="http://schemas.openxmlformats.org/presentationml/2006/main">
+  <p:cSld>
+    <p:spTree>
+      <p:nvGrpSpPr>
+        <p:cNvPr id="1" name=""/>
+        <p:cNvGrpSpPr/>
+        <p:nvPr/>
+      </p:nvGrpSpPr>
+      <p:grpSpPr>
+        <a:xfrm>
+          <a:off x="0" y="0"/>
+          <a:ext cx="0" cy="0"/>
+          <a:chOff x="0" y="0"/>
+          <a:chExt cx="0" cy="0"/>
+        </a:xfrm>
+      </p:grpSpPr>
+      <p:sp>
+        <p:nvSpPr>
+          <p:cNvPr id="2" name="Title 1"/>
+          <p:cNvSpPr>
+            <a:spLocks noGrp="1"/>
+          </p:cNvSpPr>
+          <p:nvPr>
+            <p:ph type="title"/>
+          </p:nvPr>
+        </p:nvSpPr>
+        <p:spPr/>
+        <p:txBody>
+          <a:bodyPr/>
+          <a:lstStyle/>
+          <a:p>
+            <a:pPr algn="ctr"/>
+            <a:r>
+              <a:rPr lang="en-US" dirty="0"/>
+              <a:t>Can you Predict the </a:t>
+            </a:r>
+            <a:r>
+              <a:rPr lang="en-US" dirty="0" err="1"/>
+              <a:t>epl</a:t>
+            </a:r>
+            <a:r>
+              <a:rPr lang="en-US" dirty="0"/>
+              <a:t>?</a:t>
+            </a:r>
+            <a:endParaRPr lang="en-GB" dirty="0"/>
+          </a:p>
+        </p:txBody>
+      </p:sp>
+      <p:sp>
+        <p:nvSpPr>
+          <p:cNvPr id="3" name="TextBox 2"/>
+          <p:cNvSpPr txBox="1"/>
+          <p:nvPr/>
+        </p:nvSpPr>
+        <p:spPr>
+          <a:xfrm>
+            <a:off x="736600" y="2197100"/>
+            <a:ext cx="10401300" cy="369332"/>
+          </a:xfrm>
+          <a:prstGeom prst="rect">
+            <a:avLst/>
+          </a:prstGeom>
+          <a:noFill/>
+        </p:spPr>
+        <p:txBody>
+          <a:bodyPr wrap="square" rtlCol="0">
+            <a:spAutoFit/>
+          </a:bodyPr>
+          <a:lstStyle/>
+          <a:p>
+            <a:endParaRPr lang="en-US" dirty="0"/>
+          </a:p>
+        </p:txBody>
+      </p:sp>
+      <p:pic>
+        <p:nvPicPr>
+          <p:cNvPr id="5" name="Picture 4"/>
+          <p:cNvPicPr>
+            <a:picLocks noChangeAspect="1"/>
+          </p:cNvPicPr>
+          <p:nvPr/>
+        </p:nvPicPr>
+        <p:blipFill>
+          <a:blip r:embed="rId2"/>
+          <a:stretch>
+            <a:fillRect/>
+          </a:stretch>
+        </p:blipFill>
+        <p:spPr>
+          <a:xfrm>
+            <a:off x="0" y="1595437"/>
+            <a:ext cx="12192000" cy="5261990"/>
+          </a:xfrm>
+          <a:prstGeom prst="rect">
+            <a:avLst/>
+          </a:prstGeom>
+        </p:spPr>
+      </p:pic>
+    </p:spTree>
+    <p:extLst>
+      <p:ext uri="{BB962C8B-B14F-4D97-AF65-F5344CB8AC3E}">
+        <p14:creationId xmlns:p14="http://schemas.microsoft.com/office/powerpoint/2010/main" val="2037702741"/>
       </p:ext>
     </p:extLst>
   </p:cSld>
@@ -6611,9 +6784,17 @@
             <a:endParaRPr lang="en-US" dirty="0"/>
           </a:p>
           <a:p>
+            <a:r>
+              <a:rPr lang="en-US" dirty="0"/>
+              <a:t/>
+            </a:r>
             <a:br>
               <a:rPr lang="en-US" dirty="0"/>
             </a:br>
+            <a:r>
+              <a:rPr lang="en-US" dirty="0"/>
+              <a:t/>
+            </a:r>
             <a:br>
               <a:rPr lang="en-US" dirty="0"/>
             </a:br>
@@ -7267,9 +7448,17 @@
             <a:endParaRPr lang="en-US" dirty="0"/>
           </a:p>
           <a:p>
+            <a:r>
+              <a:rPr lang="en-US" dirty="0"/>
+              <a:t/>
+            </a:r>
             <a:br>
               <a:rPr lang="en-US" dirty="0"/>
             </a:br>
+            <a:r>
+              <a:rPr lang="en-US" dirty="0"/>
+              <a:t/>
+            </a:r>
             <a:br>
               <a:rPr lang="en-US" dirty="0"/>
             </a:br>
@@ -7531,9 +7720,17 @@
             <a:endParaRPr lang="en-US" dirty="0"/>
           </a:p>
           <a:p>
+            <a:r>
+              <a:rPr lang="en-US" dirty="0"/>
+              <a:t/>
+            </a:r>
             <a:br>
               <a:rPr lang="en-US" dirty="0"/>
             </a:br>
+            <a:r>
+              <a:rPr lang="en-US" dirty="0"/>
+              <a:t/>
+            </a:r>
             <a:br>
               <a:rPr lang="en-US" dirty="0"/>
             </a:br>
@@ -7578,6 +7775,10 @@
             <a:br>
               <a:rPr lang="en-US" dirty="0"/>
             </a:br>
+            <a:r>
+              <a:rPr lang="en-US" dirty="0"/>
+              <a:t/>
+            </a:r>
             <a:br>
               <a:rPr lang="en-US" dirty="0"/>
             </a:br>
@@ -8052,14 +8253,20 @@
             <p:ph type="title"/>
           </p:nvPr>
         </p:nvSpPr>
-        <p:spPr/>
+        <p:spPr>
+          <a:xfrm>
+            <a:off x="635001" y="2476500"/>
+            <a:ext cx="10396882" cy="1151965"/>
+          </a:xfrm>
+        </p:spPr>
         <p:txBody>
           <a:bodyPr/>
           <a:lstStyle/>
           <a:p>
-            <a:r>
-              <a:rPr lang="en-US" dirty="0"/>
-              <a:t>FURTHER OPTIMISATIONS</a:t>
+            <a:pPr algn="ctr"/>
+            <a:r>
+              <a:rPr lang="en-US" dirty="0" smtClean="0"/>
+              <a:t>DEMONSTRATION</a:t>
             </a:r>
             <a:endParaRPr lang="en-GB" dirty="0"/>
           </a:p>
@@ -8074,7 +8281,7 @@
         <p:spPr>
           <a:xfrm>
             <a:off x="736600" y="2197100"/>
-            <a:ext cx="10401300" cy="2585323"/>
+            <a:ext cx="10401300" cy="369332"/>
           </a:xfrm>
           <a:prstGeom prst="rect">
             <a:avLst/>
@@ -8087,56 +8294,14 @@
           </a:bodyPr>
           <a:lstStyle/>
           <a:p>
-            <a:r>
-              <a:rPr lang="en-US" dirty="0"/>
-              <a:t>Refining the Random Forest Model – </a:t>
-            </a:r>
-            <a:r>
-              <a:rPr lang="en-US" dirty="0" err="1"/>
-              <a:t>hyperparameter</a:t>
-            </a:r>
-            <a:r>
-              <a:rPr lang="en-US" dirty="0"/>
-              <a:t> tuning and feature selection were applied.</a:t>
-            </a:r>
-          </a:p>
-          <a:p>
-            <a:endParaRPr lang="en-US" dirty="0"/>
-          </a:p>
-          <a:p>
-            <a:r>
-              <a:rPr lang="en-US" dirty="0"/>
-              <a:t>Using different ML models – a Neural Network, a Support Vector Machine and Gradient boosting.</a:t>
-            </a:r>
-          </a:p>
-          <a:p>
-            <a:endParaRPr lang="en-US" dirty="0"/>
-          </a:p>
-          <a:p>
-            <a:r>
-              <a:rPr lang="en-US" dirty="0"/>
-              <a:t>None of the above increased the accuracy to above what we already had, suggesting we had a fairly optimal solution to start.</a:t>
-            </a:r>
-          </a:p>
-          <a:p>
-            <a:endParaRPr lang="en-US" dirty="0"/>
-          </a:p>
-          <a:p>
-            <a:endParaRPr lang="en-US" dirty="0"/>
-          </a:p>
-          <a:p>
-            <a:r>
-              <a:rPr lang="en-US" dirty="0"/>
-              <a:t>In short………we got lucky!</a:t>
-            </a:r>
-            <a:endParaRPr lang="en-GB" dirty="0"/>
+            <a:endParaRPr lang="en-US" dirty="0"/>
           </a:p>
         </p:txBody>
       </p:sp>
     </p:spTree>
     <p:extLst>
       <p:ext uri="{BB962C8B-B14F-4D97-AF65-F5344CB8AC3E}">
-        <p14:creationId xmlns:p14="http://schemas.microsoft.com/office/powerpoint/2010/main" val="3268364669"/>
+        <p14:creationId xmlns:p14="http://schemas.microsoft.com/office/powerpoint/2010/main" val="2625971804"/>
       </p:ext>
     </p:extLst>
   </p:cSld>

--- a/Group Project 4 to Github.pptx
+++ b/Group Project 4 to Github.pptx
@@ -13,10 +13,11 @@
     <p:sldId id="261" r:id="rId7"/>
     <p:sldId id="262" r:id="rId8"/>
     <p:sldId id="263" r:id="rId9"/>
-    <p:sldId id="265" r:id="rId10"/>
-    <p:sldId id="264" r:id="rId11"/>
-    <p:sldId id="266" r:id="rId12"/>
-    <p:sldId id="267" r:id="rId13"/>
+    <p:sldId id="264" r:id="rId10"/>
+    <p:sldId id="268" r:id="rId11"/>
+    <p:sldId id="265" r:id="rId12"/>
+    <p:sldId id="266" r:id="rId13"/>
+    <p:sldId id="267" r:id="rId14"/>
   </p:sldIdLst>
   <p:sldSz cx="12192000" cy="6858000"/>
   <p:notesSz cx="6858000" cy="9144000"/>
@@ -6153,7 +6154,7 @@
           <a:p>
             <a:r>
               <a:rPr lang="en-US" dirty="0"/>
-              <a:t>FURTHER OPTIMISATIONS</a:t>
+              <a:t>REFINED MODEL 1</a:t>
             </a:r>
             <a:endParaRPr lang="en-GB" dirty="0"/>
           </a:p>
@@ -6167,8 +6168,8 @@
         </p:nvSpPr>
         <p:spPr>
           <a:xfrm>
-            <a:off x="736600" y="2197100"/>
-            <a:ext cx="10401300" cy="2585323"/>
+            <a:off x="863600" y="1837765"/>
+            <a:ext cx="10604500" cy="3416320"/>
           </a:xfrm>
           <a:prstGeom prst="rect">
             <a:avLst/>
@@ -6183,54 +6184,100 @@
           <a:p>
             <a:r>
               <a:rPr lang="en-US" dirty="0"/>
-              <a:t>Refining the Random Forest Model – </a:t>
-            </a:r>
-            <a:r>
-              <a:rPr lang="en-US" dirty="0" err="1"/>
-              <a:t>hyperparameter</a:t>
-            </a:r>
-            <a:r>
-              <a:rPr lang="en-US" dirty="0"/>
-              <a:t> tuning and feature selection were applied.</a:t>
-            </a:r>
-          </a:p>
-          <a:p>
-            <a:endParaRPr lang="en-US" dirty="0"/>
-          </a:p>
-          <a:p>
-            <a:r>
-              <a:rPr lang="en-US" dirty="0"/>
-              <a:t>Using different ML models – a Neural Network, a Support Vector Machine and Gradient boosting.</a:t>
-            </a:r>
-          </a:p>
-          <a:p>
-            <a:endParaRPr lang="en-US" dirty="0"/>
-          </a:p>
-          <a:p>
-            <a:r>
-              <a:rPr lang="en-US" dirty="0"/>
-              <a:t>None of the above increased the accuracy to above what we already had, suggesting we had a fairly optimal solution to start.</a:t>
-            </a:r>
-          </a:p>
-          <a:p>
-            <a:endParaRPr lang="en-US" dirty="0"/>
-          </a:p>
-          <a:p>
-            <a:endParaRPr lang="en-US" dirty="0"/>
-          </a:p>
-          <a:p>
-            <a:r>
-              <a:rPr lang="en-US" dirty="0"/>
-              <a:t>In short………we got lucky!</a:t>
+              <a:t>The data was uploaded and a Random Forest Model, and gave the following results:</a:t>
+            </a:r>
+          </a:p>
+          <a:p>
+            <a:endParaRPr lang="en-US" dirty="0"/>
+          </a:p>
+          <a:p>
+            <a:endParaRPr lang="en-US" dirty="0"/>
+          </a:p>
+          <a:p>
+            <a:endParaRPr lang="en-US" dirty="0"/>
+          </a:p>
+          <a:p>
+            <a:endParaRPr lang="en-US" dirty="0"/>
+          </a:p>
+          <a:p>
+            <a:endParaRPr lang="en-US" dirty="0"/>
+          </a:p>
+          <a:p>
+            <a:endParaRPr lang="en-US" dirty="0"/>
+          </a:p>
+          <a:p>
+            <a:endParaRPr lang="en-US" dirty="0"/>
+          </a:p>
+          <a:p>
+            <a:endParaRPr lang="en-US" dirty="0"/>
+          </a:p>
+          <a:p>
+            <a:endParaRPr lang="en-US" dirty="0"/>
+          </a:p>
+          <a:p>
+            <a:endParaRPr lang="en-US" dirty="0"/>
+          </a:p>
+          <a:p>
+            <a:r>
+              <a:rPr lang="en-US" dirty="0"/>
+              <a:t> </a:t>
             </a:r>
             <a:endParaRPr lang="en-GB" dirty="0"/>
           </a:p>
         </p:txBody>
       </p:sp>
+      <p:pic>
+        <p:nvPicPr>
+          <p:cNvPr id="8" name="Picture 7"/>
+          <p:cNvPicPr>
+            <a:picLocks noChangeAspect="1"/>
+          </p:cNvPicPr>
+          <p:nvPr/>
+        </p:nvPicPr>
+        <p:blipFill>
+          <a:blip r:embed="rId2"/>
+          <a:stretch>
+            <a:fillRect/>
+          </a:stretch>
+        </p:blipFill>
+        <p:spPr>
+          <a:xfrm>
+            <a:off x="277812" y="2276475"/>
+            <a:ext cx="4637088" cy="3209440"/>
+          </a:xfrm>
+          <a:prstGeom prst="rect">
+            <a:avLst/>
+          </a:prstGeom>
+        </p:spPr>
+      </p:pic>
+      <p:pic>
+        <p:nvPicPr>
+          <p:cNvPr id="9" name="Picture 8"/>
+          <p:cNvPicPr>
+            <a:picLocks noChangeAspect="1"/>
+          </p:cNvPicPr>
+          <p:nvPr/>
+        </p:nvPicPr>
+        <p:blipFill>
+          <a:blip r:embed="rId3"/>
+          <a:stretch>
+            <a:fillRect/>
+          </a:stretch>
+        </p:blipFill>
+        <p:spPr>
+          <a:xfrm>
+            <a:off x="5016498" y="2276475"/>
+            <a:ext cx="6451602" cy="3209440"/>
+          </a:xfrm>
+          <a:prstGeom prst="rect">
+            <a:avLst/>
+          </a:prstGeom>
+        </p:spPr>
+      </p:pic>
     </p:spTree>
     <p:extLst>
       <p:ext uri="{BB962C8B-B14F-4D97-AF65-F5344CB8AC3E}">
-        <p14:creationId xmlns:p14="http://schemas.microsoft.com/office/powerpoint/2010/main" val="3268364669"/>
+        <p14:creationId xmlns:p14="http://schemas.microsoft.com/office/powerpoint/2010/main" val="2804525104"/>
       </p:ext>
     </p:extLst>
   </p:cSld>
@@ -6259,6 +6306,91 @@
       </p:grpSpPr>
       <p:sp>
         <p:nvSpPr>
+          <p:cNvPr id="2" name="Title 1"/>
+          <p:cNvSpPr>
+            <a:spLocks noGrp="1"/>
+          </p:cNvSpPr>
+          <p:nvPr>
+            <p:ph type="title"/>
+          </p:nvPr>
+        </p:nvSpPr>
+        <p:spPr>
+          <a:xfrm>
+            <a:off x="635001" y="2476500"/>
+            <a:ext cx="10396882" cy="1151965"/>
+          </a:xfrm>
+        </p:spPr>
+        <p:txBody>
+          <a:bodyPr/>
+          <a:lstStyle/>
+          <a:p>
+            <a:pPr algn="ctr"/>
+            <a:r>
+              <a:rPr lang="en-US" dirty="0" smtClean="0"/>
+              <a:t>DEMONSTRATION</a:t>
+            </a:r>
+            <a:endParaRPr lang="en-GB" dirty="0"/>
+          </a:p>
+        </p:txBody>
+      </p:sp>
+      <p:sp>
+        <p:nvSpPr>
+          <p:cNvPr id="3" name="TextBox 2"/>
+          <p:cNvSpPr txBox="1"/>
+          <p:nvPr/>
+        </p:nvSpPr>
+        <p:spPr>
+          <a:xfrm>
+            <a:off x="736600" y="2197100"/>
+            <a:ext cx="10401300" cy="369332"/>
+          </a:xfrm>
+          <a:prstGeom prst="rect">
+            <a:avLst/>
+          </a:prstGeom>
+          <a:noFill/>
+        </p:spPr>
+        <p:txBody>
+          <a:bodyPr wrap="square" rtlCol="0">
+            <a:spAutoFit/>
+          </a:bodyPr>
+          <a:lstStyle/>
+          <a:p>
+            <a:endParaRPr lang="en-US" dirty="0"/>
+          </a:p>
+        </p:txBody>
+      </p:sp>
+    </p:spTree>
+    <p:extLst>
+      <p:ext uri="{BB962C8B-B14F-4D97-AF65-F5344CB8AC3E}">
+        <p14:creationId xmlns:p14="http://schemas.microsoft.com/office/powerpoint/2010/main" val="2625971804"/>
+      </p:ext>
+    </p:extLst>
+  </p:cSld>
+  <p:clrMapOvr>
+    <a:masterClrMapping/>
+  </p:clrMapOvr>
+</p:sld>
+</file>
+
+<file path=ppt/slides/slide12.xml><?xml version="1.0" encoding="utf-8"?>
+<p:sld xmlns:a="http://schemas.openxmlformats.org/drawingml/2006/main" xmlns:r="http://schemas.openxmlformats.org/officeDocument/2006/relationships" xmlns:p="http://schemas.openxmlformats.org/presentationml/2006/main">
+  <p:cSld>
+    <p:spTree>
+      <p:nvGrpSpPr>
+        <p:cNvPr id="1" name=""/>
+        <p:cNvGrpSpPr/>
+        <p:nvPr/>
+      </p:nvGrpSpPr>
+      <p:grpSpPr>
+        <a:xfrm>
+          <a:off x="0" y="0"/>
+          <a:ext cx="0" cy="0"/>
+          <a:chOff x="0" y="0"/>
+          <a:chExt cx="0" cy="0"/>
+        </a:xfrm>
+      </p:grpSpPr>
+      <p:sp>
+        <p:nvSpPr>
           <p:cNvPr id="3" name="Title 2">
             <a:extLst>
               <a:ext uri="{FF2B5EF4-FFF2-40B4-BE49-F238E27FC236}">
@@ -6401,7 +6533,7 @@
 </p:sld>
 </file>
 
-<file path=ppt/slides/slide12.xml><?xml version="1.0" encoding="utf-8"?>
+<file path=ppt/slides/slide13.xml><?xml version="1.0" encoding="utf-8"?>
 <p:sld xmlns:a="http://schemas.openxmlformats.org/drawingml/2006/main" xmlns:r="http://schemas.openxmlformats.org/officeDocument/2006/relationships" xmlns:p="http://schemas.openxmlformats.org/presentationml/2006/main">
   <p:cSld>
     <p:spTree>
@@ -8253,20 +8385,14 @@
             <p:ph type="title"/>
           </p:nvPr>
         </p:nvSpPr>
-        <p:spPr>
-          <a:xfrm>
-            <a:off x="635001" y="2476500"/>
-            <a:ext cx="10396882" cy="1151965"/>
-          </a:xfrm>
-        </p:spPr>
+        <p:spPr/>
         <p:txBody>
           <a:bodyPr/>
           <a:lstStyle/>
           <a:p>
-            <a:pPr algn="ctr"/>
-            <a:r>
-              <a:rPr lang="en-US" dirty="0" smtClean="0"/>
-              <a:t>DEMONSTRATION</a:t>
+            <a:r>
+              <a:rPr lang="en-US" dirty="0"/>
+              <a:t>FURTHER OPTIMISATIONS</a:t>
             </a:r>
             <a:endParaRPr lang="en-GB" dirty="0"/>
           </a:p>
@@ -8281,7 +8407,7 @@
         <p:spPr>
           <a:xfrm>
             <a:off x="736600" y="2197100"/>
-            <a:ext cx="10401300" cy="369332"/>
+            <a:ext cx="10401300" cy="2585323"/>
           </a:xfrm>
           <a:prstGeom prst="rect">
             <a:avLst/>
@@ -8294,14 +8420,56 @@
           </a:bodyPr>
           <a:lstStyle/>
           <a:p>
-            <a:endParaRPr lang="en-US" dirty="0"/>
+            <a:r>
+              <a:rPr lang="en-US" dirty="0"/>
+              <a:t>Refining the Random Forest Model – </a:t>
+            </a:r>
+            <a:r>
+              <a:rPr lang="en-US" dirty="0" err="1"/>
+              <a:t>hyperparameter</a:t>
+            </a:r>
+            <a:r>
+              <a:rPr lang="en-US" dirty="0"/>
+              <a:t> tuning and feature selection were applied.</a:t>
+            </a:r>
+          </a:p>
+          <a:p>
+            <a:endParaRPr lang="en-US" dirty="0"/>
+          </a:p>
+          <a:p>
+            <a:r>
+              <a:rPr lang="en-US" dirty="0"/>
+              <a:t>Using different ML models – a Neural Network, a Support Vector Machine and Gradient boosting.</a:t>
+            </a:r>
+          </a:p>
+          <a:p>
+            <a:endParaRPr lang="en-US" dirty="0"/>
+          </a:p>
+          <a:p>
+            <a:r>
+              <a:rPr lang="en-US" dirty="0"/>
+              <a:t>None of the above increased the accuracy to above what we already had, suggesting we had a fairly optimal solution to start.</a:t>
+            </a:r>
+          </a:p>
+          <a:p>
+            <a:endParaRPr lang="en-US" dirty="0"/>
+          </a:p>
+          <a:p>
+            <a:endParaRPr lang="en-US" dirty="0"/>
+          </a:p>
+          <a:p>
+            <a:r>
+              <a:rPr lang="en-US" dirty="0"/>
+              <a:t>In short………we got lucky!</a:t>
+            </a:r>
+            <a:endParaRPr lang="en-GB" dirty="0"/>
           </a:p>
         </p:txBody>
       </p:sp>
     </p:spTree>
     <p:extLst>
       <p:ext uri="{BB962C8B-B14F-4D97-AF65-F5344CB8AC3E}">
-        <p14:creationId xmlns:p14="http://schemas.microsoft.com/office/powerpoint/2010/main" val="2625971804"/>
+        <p14:creationId xmlns:p14="http://schemas.microsoft.com/office/powerpoint/2010/main" val="3268364669"/>
       </p:ext>
     </p:extLst>
   </p:cSld>
